--- a/documentação/Apresentação/sprint2_fastech.pptx
+++ b/documentação/Apresentação/sprint2_fastech.pptx
@@ -1,69 +1,56 @@
 
 <file path=ppt/presentation.xml><?xml version="1.0" encoding="utf-8"?>
-<p:presentation xmlns:a="http://schemas.openxmlformats.org/drawingml/2006/main" xmlns:r="http://schemas.openxmlformats.org/officeDocument/2006/relationships" xmlns:p="http://schemas.openxmlformats.org/presentationml/2006/main" saveSubsetFonts="1" embedTrueTypeFonts="true">
+<p:presentation xmlns:a="http://schemas.openxmlformats.org/drawingml/2006/main" xmlns:r="http://schemas.openxmlformats.org/officeDocument/2006/relationships" xmlns:p="http://schemas.openxmlformats.org/presentationml/2006/main" embedTrueTypeFonts="1" saveSubsetFonts="1">
   <p:sldMasterIdLst>
     <p:sldMasterId id="2147483648" r:id="rId1"/>
   </p:sldMasterIdLst>
   <p:sldIdLst>
-    <p:sldId id="256" r:id="rId16"/>
-    <p:sldId id="257" r:id="rId17"/>
-    <p:sldId id="258" r:id="rId18"/>
-    <p:sldId id="259" r:id="rId19"/>
-    <p:sldId id="260" r:id="rId20"/>
-    <p:sldId id="261" r:id="rId21"/>
-    <p:sldId id="262" r:id="rId22"/>
-    <p:sldId id="263" r:id="rId23"/>
-    <p:sldId id="264" r:id="rId24"/>
-    <p:sldId id="265" r:id="rId25"/>
-    <p:sldId id="266" r:id="rId26"/>
-    <p:sldId id="267" r:id="rId27"/>
-    <p:sldId id="268" r:id="rId28"/>
-    <p:sldId id="269" r:id="rId29"/>
-    <p:sldId id="270" r:id="rId30"/>
-    <p:sldId id="271" r:id="rId31"/>
+    <p:sldId id="256" r:id="rId2"/>
+    <p:sldId id="257" r:id="rId3"/>
+    <p:sldId id="258" r:id="rId4"/>
+    <p:sldId id="259" r:id="rId5"/>
+    <p:sldId id="260" r:id="rId6"/>
+    <p:sldId id="261" r:id="rId7"/>
+    <p:sldId id="262" r:id="rId8"/>
+    <p:sldId id="263" r:id="rId9"/>
+    <p:sldId id="264" r:id="rId10"/>
+    <p:sldId id="265" r:id="rId11"/>
+    <p:sldId id="266" r:id="rId12"/>
+    <p:sldId id="267" r:id="rId13"/>
+    <p:sldId id="268" r:id="rId14"/>
+    <p:sldId id="269" r:id="rId15"/>
+    <p:sldId id="270" r:id="rId16"/>
+    <p:sldId id="271" r:id="rId17"/>
   </p:sldIdLst>
   <p:sldSz cx="18288000" cy="10287000"/>
   <p:notesSz cx="6858000" cy="9144000"/>
   <p:embeddedFontLst>
     <p:embeddedFont>
-      <p:font typeface="Arimo" charset="1" panose="020B0604020202020204"/>
-      <p:regular r:id="rId6"/>
+      <p:font typeface="Calibri" panose="020F0502020204030204" pitchFamily="34" charset="0"/>
+      <p:regular r:id="rId18"/>
+      <p:bold r:id="rId19"/>
+      <p:italic r:id="rId20"/>
+      <p:boldItalic r:id="rId21"/>
     </p:embeddedFont>
     <p:embeddedFont>
-      <p:font typeface="Arimo Bold" charset="1" panose="020B0704020202020204"/>
-      <p:regular r:id="rId7"/>
+      <p:font typeface="Quicksand" panose="020B0604020202020204" charset="0"/>
+      <p:regular r:id="rId22"/>
     </p:embeddedFont>
     <p:embeddedFont>
-      <p:font typeface="Arimo Italics" charset="1" panose="020B0604020202090204"/>
-      <p:regular r:id="rId8"/>
+      <p:font typeface="Quicksand Bold" panose="020B0604020202020204" charset="0"/>
+      <p:regular r:id="rId23"/>
     </p:embeddedFont>
     <p:embeddedFont>
-      <p:font typeface="Arimo Bold Italics" charset="1" panose="020B0704020202090204"/>
-      <p:regular r:id="rId9"/>
+      <p:font typeface="Roboto" panose="020B0604020202020204" charset="0"/>
+      <p:regular r:id="rId24"/>
     </p:embeddedFont>
     <p:embeddedFont>
-      <p:font typeface="Roboto" charset="1" panose="02000000000000000000"/>
-      <p:regular r:id="rId10"/>
+      <p:font typeface="Roboto Bold" panose="020B0604020202020204" charset="0"/>
+      <p:regular r:id="rId25"/>
     </p:embeddedFont>
     <p:embeddedFont>
-      <p:font typeface="Roboto Bold" charset="1" panose="02000000000000000000"/>
-      <p:regular r:id="rId11"/>
-    </p:embeddedFont>
-    <p:embeddedFont>
-      <p:font typeface="Roboto Italics" charset="1" panose="02000000000000000000"/>
-      <p:regular r:id="rId12"/>
-    </p:embeddedFont>
-    <p:embeddedFont>
-      <p:font typeface="Roboto Bold Italics" charset="1" panose="02000000000000000000"/>
-      <p:regular r:id="rId13"/>
-    </p:embeddedFont>
-    <p:embeddedFont>
-      <p:font typeface="Quicksand" charset="1" panose="00000600000000000000"/>
-      <p:regular r:id="rId14"/>
-    </p:embeddedFont>
-    <p:embeddedFont>
-      <p:font typeface="Quicksand Bold" charset="1" panose="00000800000000000000"/>
-      <p:regular r:id="rId15"/>
+      <p:font typeface="Roboto Bold Italics" panose="020B0604020202020204" charset="0"/>
+      <p:regular r:id="rId26"/>
     </p:embeddedFont>
   </p:embeddedFontLst>
   <p:defaultTextStyle>
@@ -161,6 +148,22 @@
       </a:defRPr>
     </a:lvl9pPr>
   </p:defaultTextStyle>
+  <p:extLst>
+    <p:ext uri="{EFAFB233-063F-42B5-8137-9DF3F51BA10A}">
+      <p15:sldGuideLst xmlns:p15="http://schemas.microsoft.com/office/powerpoint/2012/main">
+        <p15:guide id="1" orient="horz" pos="2160">
+          <p15:clr>
+            <a:srgbClr val="A4A3A4"/>
+          </p15:clr>
+        </p15:guide>
+        <p15:guide id="2" pos="2880">
+          <p15:clr>
+            <a:srgbClr val="A4A3A4"/>
+          </p15:clr>
+        </p15:guide>
+      </p15:sldGuideLst>
+    </p:ext>
+  </p:extLst>
 </p:presentation>
 </file>
 
@@ -202,10 +205,9 @@
           <a:lstStyle/>
           <a:p>
             <a:r>
-              <a:rPr lang="en-US" smtClean="0"/>
+              <a:rPr lang="en-US"/>
               <a:t>Click to edit Master title style</a:t>
             </a:r>
-            <a:endParaRPr lang="en-US"/>
           </a:p>
         </p:txBody>
       </p:sp>
@@ -321,10 +323,9 @@
           </a:lstStyle>
           <a:p>
             <a:r>
-              <a:rPr lang="en-US" smtClean="0"/>
+              <a:rPr lang="en-US"/>
               <a:t>Click to edit Master subtitle style</a:t>
             </a:r>
-            <a:endParaRPr lang="en-US"/>
           </a:p>
         </p:txBody>
       </p:sp>
@@ -346,7 +347,7 @@
             <a:fld id="{1D8BD707-D9CF-40AE-B4C6-C98DA3205C09}" type="datetimeFigureOut">
               <a:rPr lang="en-US" smtClean="0"/>
               <a:pPr/>
-              <a:t>8/1/2011</a:t>
+              <a:t>10/26/2020</a:t>
             </a:fld>
             <a:endParaRPr lang="en-US"/>
           </a:p>
@@ -436,10 +437,9 @@
           <a:lstStyle/>
           <a:p>
             <a:r>
-              <a:rPr lang="en-US" smtClean="0"/>
+              <a:rPr lang="en-US"/>
               <a:t>Click to edit Master title style</a:t>
             </a:r>
-            <a:endParaRPr lang="en-US"/>
           </a:p>
         </p:txBody>
       </p:sp>
@@ -460,38 +460,37 @@
           <a:p>
             <a:pPr lvl="0"/>
             <a:r>
-              <a:rPr lang="en-US" smtClean="0"/>
+              <a:rPr lang="en-US"/>
               <a:t>Click to edit Master text styles</a:t>
             </a:r>
           </a:p>
           <a:p>
             <a:pPr lvl="1"/>
             <a:r>
-              <a:rPr lang="en-US" smtClean="0"/>
+              <a:rPr lang="en-US"/>
               <a:t>Second level</a:t>
             </a:r>
           </a:p>
           <a:p>
             <a:pPr lvl="2"/>
             <a:r>
-              <a:rPr lang="en-US" smtClean="0"/>
+              <a:rPr lang="en-US"/>
               <a:t>Third level</a:t>
             </a:r>
           </a:p>
           <a:p>
             <a:pPr lvl="3"/>
             <a:r>
-              <a:rPr lang="en-US" smtClean="0"/>
+              <a:rPr lang="en-US"/>
               <a:t>Fourth level</a:t>
             </a:r>
           </a:p>
           <a:p>
             <a:pPr lvl="4"/>
             <a:r>
-              <a:rPr lang="en-US" smtClean="0"/>
+              <a:rPr lang="en-US"/>
               <a:t>Fifth level</a:t>
             </a:r>
-            <a:endParaRPr lang="en-US"/>
           </a:p>
         </p:txBody>
       </p:sp>
@@ -513,7 +512,7 @@
             <a:fld id="{1D8BD707-D9CF-40AE-B4C6-C98DA3205C09}" type="datetimeFigureOut">
               <a:rPr lang="en-US" smtClean="0"/>
               <a:pPr/>
-              <a:t>8/1/2011</a:t>
+              <a:t>10/26/2020</a:t>
             </a:fld>
             <a:endParaRPr lang="en-US"/>
           </a:p>
@@ -608,10 +607,9 @@
           <a:lstStyle/>
           <a:p>
             <a:r>
-              <a:rPr lang="en-US" smtClean="0"/>
+              <a:rPr lang="en-US"/>
               <a:t>Click to edit Master title style</a:t>
             </a:r>
-            <a:endParaRPr lang="en-US"/>
           </a:p>
         </p:txBody>
       </p:sp>
@@ -637,38 +635,37 @@
           <a:p>
             <a:pPr lvl="0"/>
             <a:r>
-              <a:rPr lang="en-US" smtClean="0"/>
+              <a:rPr lang="en-US"/>
               <a:t>Click to edit Master text styles</a:t>
             </a:r>
           </a:p>
           <a:p>
             <a:pPr lvl="1"/>
             <a:r>
-              <a:rPr lang="en-US" smtClean="0"/>
+              <a:rPr lang="en-US"/>
               <a:t>Second level</a:t>
             </a:r>
           </a:p>
           <a:p>
             <a:pPr lvl="2"/>
             <a:r>
-              <a:rPr lang="en-US" smtClean="0"/>
+              <a:rPr lang="en-US"/>
               <a:t>Third level</a:t>
             </a:r>
           </a:p>
           <a:p>
             <a:pPr lvl="3"/>
             <a:r>
-              <a:rPr lang="en-US" smtClean="0"/>
+              <a:rPr lang="en-US"/>
               <a:t>Fourth level</a:t>
             </a:r>
           </a:p>
           <a:p>
             <a:pPr lvl="4"/>
             <a:r>
-              <a:rPr lang="en-US" smtClean="0"/>
+              <a:rPr lang="en-US"/>
               <a:t>Fifth level</a:t>
             </a:r>
-            <a:endParaRPr lang="en-US"/>
           </a:p>
         </p:txBody>
       </p:sp>
@@ -690,7 +687,7 @@
             <a:fld id="{1D8BD707-D9CF-40AE-B4C6-C98DA3205C09}" type="datetimeFigureOut">
               <a:rPr lang="en-US" smtClean="0"/>
               <a:pPr/>
-              <a:t>8/1/2011</a:t>
+              <a:t>10/26/2020</a:t>
             </a:fld>
             <a:endParaRPr lang="en-US"/>
           </a:p>
@@ -780,10 +777,9 @@
           <a:lstStyle/>
           <a:p>
             <a:r>
-              <a:rPr lang="en-US" smtClean="0"/>
+              <a:rPr lang="en-US"/>
               <a:t>Click to edit Master title style</a:t>
             </a:r>
-            <a:endParaRPr lang="en-US"/>
           </a:p>
         </p:txBody>
       </p:sp>
@@ -804,38 +800,37 @@
           <a:p>
             <a:pPr lvl="0"/>
             <a:r>
-              <a:rPr lang="en-US" smtClean="0"/>
+              <a:rPr lang="en-US"/>
               <a:t>Click to edit Master text styles</a:t>
             </a:r>
           </a:p>
           <a:p>
             <a:pPr lvl="1"/>
             <a:r>
-              <a:rPr lang="en-US" smtClean="0"/>
+              <a:rPr lang="en-US"/>
               <a:t>Second level</a:t>
             </a:r>
           </a:p>
           <a:p>
             <a:pPr lvl="2"/>
             <a:r>
-              <a:rPr lang="en-US" smtClean="0"/>
+              <a:rPr lang="en-US"/>
               <a:t>Third level</a:t>
             </a:r>
           </a:p>
           <a:p>
             <a:pPr lvl="3"/>
             <a:r>
-              <a:rPr lang="en-US" smtClean="0"/>
+              <a:rPr lang="en-US"/>
               <a:t>Fourth level</a:t>
             </a:r>
           </a:p>
           <a:p>
             <a:pPr lvl="4"/>
             <a:r>
-              <a:rPr lang="en-US" smtClean="0"/>
+              <a:rPr lang="en-US"/>
               <a:t>Fifth level</a:t>
             </a:r>
-            <a:endParaRPr lang="en-US"/>
           </a:p>
         </p:txBody>
       </p:sp>
@@ -857,7 +852,7 @@
             <a:fld id="{1D8BD707-D9CF-40AE-B4C6-C98DA3205C09}" type="datetimeFigureOut">
               <a:rPr lang="en-US" smtClean="0"/>
               <a:pPr/>
-              <a:t>8/1/2011</a:t>
+              <a:t>10/26/2020</a:t>
             </a:fld>
             <a:endParaRPr lang="en-US"/>
           </a:p>
@@ -956,10 +951,9 @@
           </a:lstStyle>
           <a:p>
             <a:r>
-              <a:rPr lang="en-US" smtClean="0"/>
+              <a:rPr lang="en-US"/>
               <a:t>Click to edit Master title style</a:t>
             </a:r>
-            <a:endParaRPr lang="en-US"/>
           </a:p>
         </p:txBody>
       </p:sp>
@@ -1076,7 +1070,7 @@
           <a:p>
             <a:pPr lvl="0"/>
             <a:r>
-              <a:rPr lang="en-US" smtClean="0"/>
+              <a:rPr lang="en-US"/>
               <a:t>Click to edit Master text styles</a:t>
             </a:r>
           </a:p>
@@ -1100,7 +1094,7 @@
             <a:fld id="{1D8BD707-D9CF-40AE-B4C6-C98DA3205C09}" type="datetimeFigureOut">
               <a:rPr lang="en-US" smtClean="0"/>
               <a:pPr/>
-              <a:t>8/1/2011</a:t>
+              <a:t>10/26/2020</a:t>
             </a:fld>
             <a:endParaRPr lang="en-US"/>
           </a:p>
@@ -1190,10 +1184,9 @@
           <a:lstStyle/>
           <a:p>
             <a:r>
-              <a:rPr lang="en-US" smtClean="0"/>
+              <a:rPr lang="en-US"/>
               <a:t>Click to edit Master title style</a:t>
             </a:r>
-            <a:endParaRPr lang="en-US"/>
           </a:p>
         </p:txBody>
       </p:sp>
@@ -1247,38 +1240,37 @@
           <a:p>
             <a:pPr lvl="0"/>
             <a:r>
-              <a:rPr lang="en-US" smtClean="0"/>
+              <a:rPr lang="en-US"/>
               <a:t>Click to edit Master text styles</a:t>
             </a:r>
           </a:p>
           <a:p>
             <a:pPr lvl="1"/>
             <a:r>
-              <a:rPr lang="en-US" smtClean="0"/>
+              <a:rPr lang="en-US"/>
               <a:t>Second level</a:t>
             </a:r>
           </a:p>
           <a:p>
             <a:pPr lvl="2"/>
             <a:r>
-              <a:rPr lang="en-US" smtClean="0"/>
+              <a:rPr lang="en-US"/>
               <a:t>Third level</a:t>
             </a:r>
           </a:p>
           <a:p>
             <a:pPr lvl="3"/>
             <a:r>
-              <a:rPr lang="en-US" smtClean="0"/>
+              <a:rPr lang="en-US"/>
               <a:t>Fourth level</a:t>
             </a:r>
           </a:p>
           <a:p>
             <a:pPr lvl="4"/>
             <a:r>
-              <a:rPr lang="en-US" smtClean="0"/>
+              <a:rPr lang="en-US"/>
               <a:t>Fifth level</a:t>
             </a:r>
-            <a:endParaRPr lang="en-US"/>
           </a:p>
         </p:txBody>
       </p:sp>
@@ -1332,38 +1324,37 @@
           <a:p>
             <a:pPr lvl="0"/>
             <a:r>
-              <a:rPr lang="en-US" smtClean="0"/>
+              <a:rPr lang="en-US"/>
               <a:t>Click to edit Master text styles</a:t>
             </a:r>
           </a:p>
           <a:p>
             <a:pPr lvl="1"/>
             <a:r>
-              <a:rPr lang="en-US" smtClean="0"/>
+              <a:rPr lang="en-US"/>
               <a:t>Second level</a:t>
             </a:r>
           </a:p>
           <a:p>
             <a:pPr lvl="2"/>
             <a:r>
-              <a:rPr lang="en-US" smtClean="0"/>
+              <a:rPr lang="en-US"/>
               <a:t>Third level</a:t>
             </a:r>
           </a:p>
           <a:p>
             <a:pPr lvl="3"/>
             <a:r>
-              <a:rPr lang="en-US" smtClean="0"/>
+              <a:rPr lang="en-US"/>
               <a:t>Fourth level</a:t>
             </a:r>
           </a:p>
           <a:p>
             <a:pPr lvl="4"/>
             <a:r>
-              <a:rPr lang="en-US" smtClean="0"/>
+              <a:rPr lang="en-US"/>
               <a:t>Fifth level</a:t>
             </a:r>
-            <a:endParaRPr lang="en-US"/>
           </a:p>
         </p:txBody>
       </p:sp>
@@ -1385,7 +1376,7 @@
             <a:fld id="{1D8BD707-D9CF-40AE-B4C6-C98DA3205C09}" type="datetimeFigureOut">
               <a:rPr lang="en-US" smtClean="0"/>
               <a:pPr/>
-              <a:t>8/1/2011</a:t>
+              <a:t>10/26/2020</a:t>
             </a:fld>
             <a:endParaRPr lang="en-US"/>
           </a:p>
@@ -1479,10 +1470,9 @@
           </a:lstStyle>
           <a:p>
             <a:r>
-              <a:rPr lang="en-US" smtClean="0"/>
+              <a:rPr lang="en-US"/>
               <a:t>Click to edit Master title style</a:t>
             </a:r>
-            <a:endParaRPr lang="en-US"/>
           </a:p>
         </p:txBody>
       </p:sp>
@@ -1545,7 +1535,7 @@
           <a:p>
             <a:pPr lvl="0"/>
             <a:r>
-              <a:rPr lang="en-US" smtClean="0"/>
+              <a:rPr lang="en-US"/>
               <a:t>Click to edit Master text styles</a:t>
             </a:r>
           </a:p>
@@ -1601,38 +1591,37 @@
           <a:p>
             <a:pPr lvl="0"/>
             <a:r>
-              <a:rPr lang="en-US" smtClean="0"/>
+              <a:rPr lang="en-US"/>
               <a:t>Click to edit Master text styles</a:t>
             </a:r>
           </a:p>
           <a:p>
             <a:pPr lvl="1"/>
             <a:r>
-              <a:rPr lang="en-US" smtClean="0"/>
+              <a:rPr lang="en-US"/>
               <a:t>Second level</a:t>
             </a:r>
           </a:p>
           <a:p>
             <a:pPr lvl="2"/>
             <a:r>
-              <a:rPr lang="en-US" smtClean="0"/>
+              <a:rPr lang="en-US"/>
               <a:t>Third level</a:t>
             </a:r>
           </a:p>
           <a:p>
             <a:pPr lvl="3"/>
             <a:r>
-              <a:rPr lang="en-US" smtClean="0"/>
+              <a:rPr lang="en-US"/>
               <a:t>Fourth level</a:t>
             </a:r>
           </a:p>
           <a:p>
             <a:pPr lvl="4"/>
             <a:r>
-              <a:rPr lang="en-US" smtClean="0"/>
+              <a:rPr lang="en-US"/>
               <a:t>Fifth level</a:t>
             </a:r>
-            <a:endParaRPr lang="en-US"/>
           </a:p>
         </p:txBody>
       </p:sp>
@@ -1695,7 +1684,7 @@
           <a:p>
             <a:pPr lvl="0"/>
             <a:r>
-              <a:rPr lang="en-US" smtClean="0"/>
+              <a:rPr lang="en-US"/>
               <a:t>Click to edit Master text styles</a:t>
             </a:r>
           </a:p>
@@ -1751,38 +1740,37 @@
           <a:p>
             <a:pPr lvl="0"/>
             <a:r>
-              <a:rPr lang="en-US" smtClean="0"/>
+              <a:rPr lang="en-US"/>
               <a:t>Click to edit Master text styles</a:t>
             </a:r>
           </a:p>
           <a:p>
             <a:pPr lvl="1"/>
             <a:r>
-              <a:rPr lang="en-US" smtClean="0"/>
+              <a:rPr lang="en-US"/>
               <a:t>Second level</a:t>
             </a:r>
           </a:p>
           <a:p>
             <a:pPr lvl="2"/>
             <a:r>
-              <a:rPr lang="en-US" smtClean="0"/>
+              <a:rPr lang="en-US"/>
               <a:t>Third level</a:t>
             </a:r>
           </a:p>
           <a:p>
             <a:pPr lvl="3"/>
             <a:r>
-              <a:rPr lang="en-US" smtClean="0"/>
+              <a:rPr lang="en-US"/>
               <a:t>Fourth level</a:t>
             </a:r>
           </a:p>
           <a:p>
             <a:pPr lvl="4"/>
             <a:r>
-              <a:rPr lang="en-US" smtClean="0"/>
+              <a:rPr lang="en-US"/>
               <a:t>Fifth level</a:t>
             </a:r>
-            <a:endParaRPr lang="en-US"/>
           </a:p>
         </p:txBody>
       </p:sp>
@@ -1804,7 +1792,7 @@
             <a:fld id="{1D8BD707-D9CF-40AE-B4C6-C98DA3205C09}" type="datetimeFigureOut">
               <a:rPr lang="en-US" smtClean="0"/>
               <a:pPr/>
-              <a:t>8/1/2011</a:t>
+              <a:t>10/26/2020</a:t>
             </a:fld>
             <a:endParaRPr lang="en-US"/>
           </a:p>
@@ -1894,10 +1882,9 @@
           <a:lstStyle/>
           <a:p>
             <a:r>
-              <a:rPr lang="en-US" smtClean="0"/>
+              <a:rPr lang="en-US"/>
               <a:t>Click to edit Master title style</a:t>
             </a:r>
-            <a:endParaRPr lang="en-US"/>
           </a:p>
         </p:txBody>
       </p:sp>
@@ -1919,7 +1906,7 @@
             <a:fld id="{1D8BD707-D9CF-40AE-B4C6-C98DA3205C09}" type="datetimeFigureOut">
               <a:rPr lang="en-US" smtClean="0"/>
               <a:pPr/>
-              <a:t>8/1/2011</a:t>
+              <a:t>10/26/2020</a:t>
             </a:fld>
             <a:endParaRPr lang="en-US"/>
           </a:p>
@@ -2011,7 +1998,7 @@
             <a:fld id="{1D8BD707-D9CF-40AE-B4C6-C98DA3205C09}" type="datetimeFigureOut">
               <a:rPr lang="en-US" smtClean="0"/>
               <a:pPr/>
-              <a:t>8/1/2011</a:t>
+              <a:t>10/26/2020</a:t>
             </a:fld>
             <a:endParaRPr lang="en-US"/>
           </a:p>
@@ -2110,10 +2097,9 @@
           </a:lstStyle>
           <a:p>
             <a:r>
-              <a:rPr lang="en-US" smtClean="0"/>
+              <a:rPr lang="en-US"/>
               <a:t>Click to edit Master title style</a:t>
             </a:r>
-            <a:endParaRPr lang="en-US"/>
           </a:p>
         </p:txBody>
       </p:sp>
@@ -2167,38 +2153,37 @@
           <a:p>
             <a:pPr lvl="0"/>
             <a:r>
-              <a:rPr lang="en-US" smtClean="0"/>
+              <a:rPr lang="en-US"/>
               <a:t>Click to edit Master text styles</a:t>
             </a:r>
           </a:p>
           <a:p>
             <a:pPr lvl="1"/>
             <a:r>
-              <a:rPr lang="en-US" smtClean="0"/>
+              <a:rPr lang="en-US"/>
               <a:t>Second level</a:t>
             </a:r>
           </a:p>
           <a:p>
             <a:pPr lvl="2"/>
             <a:r>
-              <a:rPr lang="en-US" smtClean="0"/>
+              <a:rPr lang="en-US"/>
               <a:t>Third level</a:t>
             </a:r>
           </a:p>
           <a:p>
             <a:pPr lvl="3"/>
             <a:r>
-              <a:rPr lang="en-US" smtClean="0"/>
+              <a:rPr lang="en-US"/>
               <a:t>Fourth level</a:t>
             </a:r>
           </a:p>
           <a:p>
             <a:pPr lvl="4"/>
             <a:r>
-              <a:rPr lang="en-US" smtClean="0"/>
+              <a:rPr lang="en-US"/>
               <a:t>Fifth level</a:t>
             </a:r>
-            <a:endParaRPr lang="en-US"/>
           </a:p>
         </p:txBody>
       </p:sp>
@@ -2261,7 +2246,7 @@
           <a:p>
             <a:pPr lvl="0"/>
             <a:r>
-              <a:rPr lang="en-US" smtClean="0"/>
+              <a:rPr lang="en-US"/>
               <a:t>Click to edit Master text styles</a:t>
             </a:r>
           </a:p>
@@ -2285,7 +2270,7 @@
             <a:fld id="{1D8BD707-D9CF-40AE-B4C6-C98DA3205C09}" type="datetimeFigureOut">
               <a:rPr lang="en-US" smtClean="0"/>
               <a:pPr/>
-              <a:t>8/1/2011</a:t>
+              <a:t>10/26/2020</a:t>
             </a:fld>
             <a:endParaRPr lang="en-US"/>
           </a:p>
@@ -2384,10 +2369,9 @@
           </a:lstStyle>
           <a:p>
             <a:r>
-              <a:rPr lang="en-US" smtClean="0"/>
+              <a:rPr lang="en-US"/>
               <a:t>Click to edit Master title style</a:t>
             </a:r>
-            <a:endParaRPr lang="en-US"/>
           </a:p>
         </p:txBody>
       </p:sp>
@@ -2511,7 +2495,7 @@
           <a:p>
             <a:pPr lvl="0"/>
             <a:r>
-              <a:rPr lang="en-US" smtClean="0"/>
+              <a:rPr lang="en-US"/>
               <a:t>Click to edit Master text styles</a:t>
             </a:r>
           </a:p>
@@ -2535,7 +2519,7 @@
             <a:fld id="{1D8BD707-D9CF-40AE-B4C6-C98DA3205C09}" type="datetimeFigureOut">
               <a:rPr lang="en-US" smtClean="0"/>
               <a:pPr/>
-              <a:t>8/1/2011</a:t>
+              <a:t>10/26/2020</a:t>
             </a:fld>
             <a:endParaRPr lang="en-US"/>
           </a:p>
@@ -2640,10 +2624,9 @@
           <a:lstStyle/>
           <a:p>
             <a:r>
-              <a:rPr lang="en-US" smtClean="0"/>
+              <a:rPr lang="en-US"/>
               <a:t>Click to edit Master title style</a:t>
             </a:r>
-            <a:endParaRPr lang="en-US"/>
           </a:p>
         </p:txBody>
       </p:sp>
@@ -2674,38 +2657,37 @@
           <a:p>
             <a:pPr lvl="0"/>
             <a:r>
-              <a:rPr lang="en-US" smtClean="0"/>
+              <a:rPr lang="en-US"/>
               <a:t>Click to edit Master text styles</a:t>
             </a:r>
           </a:p>
           <a:p>
             <a:pPr lvl="1"/>
             <a:r>
-              <a:rPr lang="en-US" smtClean="0"/>
+              <a:rPr lang="en-US"/>
               <a:t>Second level</a:t>
             </a:r>
           </a:p>
           <a:p>
             <a:pPr lvl="2"/>
             <a:r>
-              <a:rPr lang="en-US" smtClean="0"/>
+              <a:rPr lang="en-US"/>
               <a:t>Third level</a:t>
             </a:r>
           </a:p>
           <a:p>
             <a:pPr lvl="3"/>
             <a:r>
-              <a:rPr lang="en-US" smtClean="0"/>
+              <a:rPr lang="en-US"/>
               <a:t>Fourth level</a:t>
             </a:r>
           </a:p>
           <a:p>
             <a:pPr lvl="4"/>
             <a:r>
-              <a:rPr lang="en-US" smtClean="0"/>
+              <a:rPr lang="en-US"/>
               <a:t>Fifth level</a:t>
             </a:r>
-            <a:endParaRPr lang="en-US"/>
           </a:p>
         </p:txBody>
       </p:sp>
@@ -2745,7 +2727,7 @@
             <a:fld id="{1D8BD707-D9CF-40AE-B4C6-C98DA3205C09}" type="datetimeFigureOut">
               <a:rPr lang="en-US" smtClean="0"/>
               <a:pPr/>
-              <a:t>8/1/2011</a:t>
+              <a:t>10/26/2020</a:t>
             </a:fld>
             <a:endParaRPr lang="en-US"/>
           </a:p>
@@ -3100,13 +3082,14 @@
 </file>
 
 <file path=ppt/slides/slide1.xml><?xml version="1.0" encoding="utf-8"?>
-<p:sld xmlns:p="http://schemas.openxmlformats.org/presentationml/2006/main" xmlns:a="http://schemas.openxmlformats.org/drawingml/2006/main" xmlns:r="http://schemas.openxmlformats.org/officeDocument/2006/relationships">
+<p:sld xmlns:a="http://schemas.openxmlformats.org/drawingml/2006/main" xmlns:r="http://schemas.openxmlformats.org/officeDocument/2006/relationships" xmlns:p="http://schemas.openxmlformats.org/presentationml/2006/main">
   <p:cSld>
     <p:bg>
       <p:bgPr>
         <a:solidFill>
           <a:srgbClr val="17161C"/>
         </a:solidFill>
+        <a:effectLst/>
       </p:bgPr>
     </p:bg>
     <p:spTree>
@@ -3125,14 +3108,14 @@
       </p:grpSpPr>
       <p:grpSp>
         <p:nvGrpSpPr>
-          <p:cNvPr name="Group 2" id="2"/>
+          <p:cNvPr id="2" name="Group 2"/>
           <p:cNvGrpSpPr>
-            <a:grpSpLocks noChangeAspect="true"/>
+            <a:grpSpLocks noChangeAspect="1"/>
           </p:cNvGrpSpPr>
           <p:nvPr/>
         </p:nvGrpSpPr>
         <p:grpSpPr>
-          <a:xfrm rot="0">
+          <a:xfrm>
             <a:off x="12809681" y="1504835"/>
             <a:ext cx="3237711" cy="3237711"/>
             <a:chOff x="0" y="0"/>
@@ -3141,7 +3124,7 @@
         </p:grpSpPr>
         <p:sp>
           <p:nvSpPr>
-            <p:cNvPr name="Freeform 3" id="3"/>
+            <p:cNvPr id="3" name="Freeform 3"/>
             <p:cNvSpPr/>
             <p:nvPr/>
           </p:nvSpPr>
@@ -3155,9 +3138,9 @@
               <a:gdLst/>
               <a:ahLst/>
               <a:cxnLst/>
-              <a:rect r="r" b="b" t="t" l="l"/>
+              <a:rect l="l" t="t" r="r" b="b"/>
               <a:pathLst>
-                <a:path h="14399261" w="14400530">
+                <a:path w="14400530" h="14399261">
                   <a:moveTo>
                     <a:pt x="7199630" y="0"/>
                   </a:moveTo>
@@ -3194,21 +3177,21 @@
       </p:grpSp>
       <p:pic>
         <p:nvPicPr>
-          <p:cNvPr name="Picture 4" id="4"/>
+          <p:cNvPr id="4" name="Picture 4"/>
           <p:cNvPicPr>
-            <a:picLocks noChangeAspect="true"/>
+            <a:picLocks noChangeAspect="1"/>
           </p:cNvPicPr>
           <p:nvPr/>
         </p:nvPicPr>
         <p:blipFill>
           <a:blip r:embed="rId2"/>
-          <a:srcRect l="0" t="0" r="0" b="0"/>
+          <a:srcRect/>
           <a:stretch>
             <a:fillRect/>
           </a:stretch>
         </p:blipFill>
         <p:spPr>
-          <a:xfrm flipH="false" flipV="false" rot="5400000">
+          <a:xfrm rot="5400000">
             <a:off x="16295438" y="1754964"/>
             <a:ext cx="3095939" cy="2879223"/>
           </a:xfrm>
@@ -3219,21 +3202,21 @@
       </p:pic>
       <p:pic>
         <p:nvPicPr>
-          <p:cNvPr name="Picture 5" id="5"/>
+          <p:cNvPr id="5" name="Picture 5"/>
           <p:cNvPicPr>
-            <a:picLocks noChangeAspect="true"/>
+            <a:picLocks noChangeAspect="1"/>
           </p:cNvPicPr>
           <p:nvPr/>
         </p:nvPicPr>
         <p:blipFill>
           <a:blip r:embed="rId3"/>
-          <a:srcRect l="0" t="0" r="0" b="0"/>
+          <a:srcRect/>
           <a:stretch>
             <a:fillRect/>
           </a:stretch>
         </p:blipFill>
         <p:spPr>
-          <a:xfrm flipH="false" flipV="false" rot="-10800000">
+          <a:xfrm rot="-10800000">
             <a:off x="16403796" y="5402609"/>
             <a:ext cx="1892551" cy="3379556"/>
           </a:xfrm>
@@ -3244,21 +3227,21 @@
       </p:pic>
       <p:pic>
         <p:nvPicPr>
-          <p:cNvPr name="Picture 6" id="6"/>
+          <p:cNvPr id="6" name="Picture 6"/>
           <p:cNvPicPr>
-            <a:picLocks noChangeAspect="true"/>
+            <a:picLocks noChangeAspect="1"/>
           </p:cNvPicPr>
           <p:nvPr/>
         </p:nvPicPr>
         <p:blipFill>
           <a:blip r:embed="rId2"/>
-          <a:srcRect l="0" t="0" r="0" b="0"/>
+          <a:srcRect/>
           <a:stretch>
             <a:fillRect/>
           </a:stretch>
         </p:blipFill>
         <p:spPr>
-          <a:xfrm flipH="false" flipV="false" rot="5400000">
+          <a:xfrm rot="5400000">
             <a:off x="13076661" y="5510967"/>
             <a:ext cx="3095939" cy="2879223"/>
           </a:xfrm>
@@ -3269,9 +3252,9 @@
       </p:pic>
       <p:grpSp>
         <p:nvGrpSpPr>
-          <p:cNvPr name="Group 7" id="7"/>
+          <p:cNvPr id="7" name="Group 7"/>
           <p:cNvGrpSpPr>
-            <a:grpSpLocks noChangeAspect="true"/>
+            <a:grpSpLocks noChangeAspect="1"/>
           </p:cNvGrpSpPr>
           <p:nvPr/>
         </p:nvGrpSpPr>
@@ -3285,7 +3268,7 @@
         </p:grpSpPr>
         <p:sp>
           <p:nvSpPr>
-            <p:cNvPr name="Freeform 8" id="8"/>
+            <p:cNvPr id="8" name="Freeform 8"/>
             <p:cNvSpPr/>
             <p:nvPr/>
           </p:nvSpPr>
@@ -3299,9 +3282,9 @@
               <a:gdLst/>
               <a:ahLst/>
               <a:cxnLst/>
-              <a:rect r="r" b="b" t="t" l="l"/>
+              <a:rect l="l" t="t" r="r" b="b"/>
               <a:pathLst>
-                <a:path h="11514742" w="10990384">
+                <a:path w="10990384" h="11514742">
                   <a:moveTo>
                     <a:pt x="8792" y="5757371"/>
                   </a:moveTo>
@@ -3347,12 +3330,12 @@
       </p:grpSp>
       <p:sp>
         <p:nvSpPr>
-          <p:cNvPr name="TextBox 9" id="9"/>
-          <p:cNvSpPr txBox="true"/>
-          <p:nvPr/>
-        </p:nvSpPr>
-        <p:spPr>
-          <a:xfrm rot="0">
+          <p:cNvPr id="9" name="TextBox 9"/>
+          <p:cNvSpPr txBox="1"/>
+          <p:nvPr/>
+        </p:nvSpPr>
+        <p:spPr>
+          <a:xfrm>
             <a:off x="1028700" y="5092827"/>
             <a:ext cx="8625403" cy="4165473"/>
           </a:xfrm>
@@ -3361,7 +3344,7 @@
           </a:prstGeom>
         </p:spPr>
         <p:txBody>
-          <a:bodyPr anchor="t" rtlCol="false" tIns="0" lIns="0" bIns="0" rIns="0">
+          <a:bodyPr lIns="0" tIns="0" rIns="0" bIns="0" rtlCol="0" anchor="t">
             <a:spAutoFit/>
           </a:bodyPr>
           <a:lstStyle/>
@@ -3449,12 +3432,12 @@
       </p:sp>
       <p:grpSp>
         <p:nvGrpSpPr>
-          <p:cNvPr name="Group 10" id="10"/>
+          <p:cNvPr id="10" name="Group 10"/>
           <p:cNvGrpSpPr/>
           <p:nvPr/>
         </p:nvGrpSpPr>
         <p:grpSpPr>
-          <a:xfrm rot="0">
+          <a:xfrm>
             <a:off x="1028700" y="1028700"/>
             <a:ext cx="10208607" cy="3084518"/>
             <a:chOff x="0" y="0"/>
@@ -3463,12 +3446,12 @@
         </p:grpSpPr>
         <p:sp>
           <p:nvSpPr>
-            <p:cNvPr name="TextBox 11" id="11"/>
-            <p:cNvSpPr txBox="true"/>
+            <p:cNvPr id="11" name="TextBox 11"/>
+            <p:cNvSpPr txBox="1"/>
             <p:nvPr/>
           </p:nvSpPr>
           <p:spPr>
-            <a:xfrm rot="0">
+            <a:xfrm>
               <a:off x="2110938" y="947931"/>
               <a:ext cx="11500538" cy="2273978"/>
             </a:xfrm>
@@ -3477,7 +3460,7 @@
             </a:prstGeom>
           </p:spPr>
           <p:txBody>
-            <a:bodyPr anchor="t" rtlCol="false" tIns="0" lIns="0" bIns="0" rIns="0">
+            <a:bodyPr lIns="0" tIns="0" rIns="0" bIns="0" rtlCol="0" anchor="t">
               <a:spAutoFit/>
             </a:bodyPr>
             <a:lstStyle/>
@@ -3501,21 +3484,21 @@
         </p:sp>
         <p:pic>
           <p:nvPicPr>
-            <p:cNvPr name="Picture 12" id="12"/>
+            <p:cNvPr id="12" name="Picture 12"/>
             <p:cNvPicPr>
-              <a:picLocks noChangeAspect="true"/>
+              <a:picLocks noChangeAspect="1"/>
             </p:cNvPicPr>
             <p:nvPr/>
           </p:nvPicPr>
           <p:blipFill>
             <a:blip r:embed="rId4"/>
-            <a:srcRect l="0" t="0" r="0" b="0"/>
+            <a:srcRect/>
             <a:stretch>
               <a:fillRect/>
             </a:stretch>
           </p:blipFill>
           <p:spPr>
-            <a:xfrm flipH="false" flipV="false" rot="0">
+            <a:xfrm>
               <a:off x="0" y="0"/>
               <a:ext cx="2110938" cy="4112690"/>
             </a:xfrm>
@@ -3534,13 +3517,14 @@
 </file>
 
 <file path=ppt/slides/slide10.xml><?xml version="1.0" encoding="utf-8"?>
-<p:sld xmlns:p="http://schemas.openxmlformats.org/presentationml/2006/main" xmlns:a="http://schemas.openxmlformats.org/drawingml/2006/main" xmlns:r="http://schemas.openxmlformats.org/officeDocument/2006/relationships">
+<p:sld xmlns:a="http://schemas.openxmlformats.org/drawingml/2006/main" xmlns:r="http://schemas.openxmlformats.org/officeDocument/2006/relationships" xmlns:p="http://schemas.openxmlformats.org/presentationml/2006/main">
   <p:cSld>
     <p:bg>
       <p:bgPr>
         <a:solidFill>
           <a:srgbClr val="3B5998"/>
         </a:solidFill>
+        <a:effectLst/>
       </p:bgPr>
     </p:bg>
     <p:spTree>
@@ -3559,21 +3543,21 @@
       </p:grpSpPr>
       <p:pic>
         <p:nvPicPr>
-          <p:cNvPr name="Picture 2" id="2"/>
+          <p:cNvPr id="2" name="Picture 2"/>
           <p:cNvPicPr>
-            <a:picLocks noChangeAspect="true"/>
+            <a:picLocks noChangeAspect="1"/>
           </p:cNvPicPr>
           <p:nvPr/>
         </p:nvPicPr>
         <p:blipFill>
           <a:blip r:embed="rId2"/>
-          <a:srcRect l="0" t="0" r="0" b="0"/>
+          <a:srcRect/>
           <a:stretch>
             <a:fillRect/>
           </a:stretch>
         </p:blipFill>
         <p:spPr>
-          <a:xfrm flipH="false" flipV="false" rot="0">
+          <a:xfrm>
             <a:off x="0" y="6825913"/>
             <a:ext cx="1938209" cy="3461087"/>
           </a:xfrm>
@@ -3584,21 +3568,21 @@
       </p:pic>
       <p:pic>
         <p:nvPicPr>
-          <p:cNvPr name="Picture 3" id="3"/>
+          <p:cNvPr id="3" name="Picture 3"/>
           <p:cNvPicPr>
-            <a:picLocks noChangeAspect="true"/>
+            <a:picLocks noChangeAspect="1"/>
           </p:cNvPicPr>
           <p:nvPr/>
         </p:nvPicPr>
         <p:blipFill>
           <a:blip r:embed="rId3"/>
-          <a:srcRect l="0" t="0" r="0" b="0"/>
+          <a:srcRect/>
           <a:stretch>
             <a:fillRect/>
           </a:stretch>
         </p:blipFill>
         <p:spPr>
-          <a:xfrm flipH="false" flipV="false" rot="-10800000">
+          <a:xfrm rot="-10800000">
             <a:off x="15857790" y="7291880"/>
             <a:ext cx="3095939" cy="2879223"/>
           </a:xfrm>
@@ -3609,9 +3593,9 @@
       </p:pic>
       <p:grpSp>
         <p:nvGrpSpPr>
-          <p:cNvPr name="Group 4" id="4"/>
+          <p:cNvPr id="4" name="Group 4"/>
           <p:cNvGrpSpPr>
-            <a:grpSpLocks noChangeAspect="true"/>
+            <a:grpSpLocks noChangeAspect="1"/>
           </p:cNvGrpSpPr>
           <p:nvPr/>
         </p:nvGrpSpPr>
@@ -3625,7 +3609,7 @@
         </p:grpSpPr>
         <p:sp>
           <p:nvSpPr>
-            <p:cNvPr name="Freeform 5" id="5"/>
+            <p:cNvPr id="5" name="Freeform 5"/>
             <p:cNvSpPr/>
             <p:nvPr/>
           </p:nvSpPr>
@@ -3639,9 +3623,9 @@
               <a:gdLst/>
               <a:ahLst/>
               <a:cxnLst/>
-              <a:rect r="r" b="b" t="t" l="l"/>
+              <a:rect l="l" t="t" r="r" b="b"/>
               <a:pathLst>
-                <a:path h="11514742" w="10990384">
+                <a:path w="10990384" h="11514742">
                   <a:moveTo>
                     <a:pt x="8792" y="5757371"/>
                   </a:moveTo>
@@ -3687,21 +3671,21 @@
       </p:grpSp>
       <p:pic>
         <p:nvPicPr>
-          <p:cNvPr name="Picture 6" id="6"/>
+          <p:cNvPr id="6" name="Picture 6"/>
           <p:cNvPicPr>
-            <a:picLocks noChangeAspect="true"/>
+            <a:picLocks noChangeAspect="1"/>
           </p:cNvPicPr>
           <p:nvPr/>
         </p:nvPicPr>
         <p:blipFill>
           <a:blip r:embed="rId4"/>
-          <a:srcRect l="0" t="0" r="0" b="0"/>
+          <a:srcRect/>
           <a:stretch>
             <a:fillRect/>
           </a:stretch>
         </p:blipFill>
         <p:spPr>
-          <a:xfrm flipH="false" flipV="false" rot="0">
+          <a:xfrm>
             <a:off x="1549635" y="1709869"/>
             <a:ext cx="704576" cy="704576"/>
           </a:xfrm>
@@ -3712,21 +3696,21 @@
       </p:pic>
       <p:pic>
         <p:nvPicPr>
-          <p:cNvPr name="Picture 7" id="7"/>
+          <p:cNvPr id="7" name="Picture 7"/>
           <p:cNvPicPr>
-            <a:picLocks noChangeAspect="true"/>
+            <a:picLocks noChangeAspect="1"/>
           </p:cNvPicPr>
           <p:nvPr/>
         </p:nvPicPr>
         <p:blipFill>
           <a:blip r:embed="rId5"/>
-          <a:srcRect l="0" t="0" r="0" b="0"/>
+          <a:srcRect/>
           <a:stretch>
             <a:fillRect/>
           </a:stretch>
         </p:blipFill>
         <p:spPr>
-          <a:xfrm flipH="false" flipV="false" rot="0">
+          <a:xfrm>
             <a:off x="17155612" y="235737"/>
             <a:ext cx="767779" cy="1495846"/>
           </a:xfrm>
@@ -3737,9 +3721,9 @@
       </p:pic>
       <p:pic>
         <p:nvPicPr>
-          <p:cNvPr name="Picture 8" id="8"/>
+          <p:cNvPr id="8" name="Picture 8"/>
           <p:cNvPicPr>
-            <a:picLocks noChangeAspect="true"/>
+            <a:picLocks noChangeAspect="1"/>
           </p:cNvPicPr>
           <p:nvPr/>
         </p:nvPicPr>
@@ -3751,7 +3735,7 @@
           </a:stretch>
         </p:blipFill>
         <p:spPr>
-          <a:xfrm flipH="false" flipV="false" rot="0">
+          <a:xfrm>
             <a:off x="8198963" y="3355113"/>
             <a:ext cx="9724428" cy="6555387"/>
           </a:xfrm>
@@ -3762,22 +3746,22 @@
       </p:pic>
       <p:pic>
         <p:nvPicPr>
-          <p:cNvPr name="Picture 9" id="9"/>
+          <p:cNvPr id="9" name="Picture 9"/>
           <p:cNvPicPr>
-            <a:picLocks noChangeAspect="true"/>
+            <a:picLocks noChangeAspect="1"/>
           </p:cNvPicPr>
           <p:nvPr/>
         </p:nvPicPr>
         <p:blipFill>
           <a:blip r:embed="rId7"/>
-          <a:srcRect l="0" t="0" r="788" b="2206"/>
+          <a:srcRect r="788" b="2206"/>
           <a:stretch>
             <a:fillRect/>
           </a:stretch>
         </p:blipFill>
         <p:spPr>
-          <a:xfrm flipH="false" flipV="false" rot="0">
-            <a:off x="568221" y="2587462"/>
+          <a:xfrm>
+            <a:off x="506672" y="2560872"/>
             <a:ext cx="10008944" cy="6307224"/>
           </a:xfrm>
           <a:prstGeom prst="rect">
@@ -3787,12 +3771,12 @@
       </p:pic>
       <p:sp>
         <p:nvSpPr>
-          <p:cNvPr name="TextBox 10" id="10"/>
-          <p:cNvSpPr txBox="true"/>
-          <p:nvPr/>
-        </p:nvSpPr>
-        <p:spPr>
-          <a:xfrm rot="0">
+          <p:cNvPr id="10" name="TextBox 10"/>
+          <p:cNvSpPr txBox="1"/>
+          <p:nvPr/>
+        </p:nvSpPr>
+        <p:spPr>
+          <a:xfrm>
             <a:off x="969104" y="420744"/>
             <a:ext cx="10477019" cy="1215912"/>
           </a:xfrm>
@@ -3801,7 +3785,7 @@
           </a:prstGeom>
         </p:spPr>
         <p:txBody>
-          <a:bodyPr anchor="t" rtlCol="false" tIns="0" lIns="0" bIns="0" rIns="0">
+          <a:bodyPr lIns="0" tIns="0" rIns="0" bIns="0" rtlCol="0" anchor="t">
             <a:spAutoFit/>
           </a:bodyPr>
           <a:lstStyle/>
@@ -3825,12 +3809,12 @@
       </p:sp>
       <p:sp>
         <p:nvSpPr>
-          <p:cNvPr name="TextBox 11" id="11"/>
-          <p:cNvSpPr txBox="true"/>
-          <p:nvPr/>
-        </p:nvSpPr>
-        <p:spPr>
-          <a:xfrm rot="0">
+          <p:cNvPr id="11" name="TextBox 11"/>
+          <p:cNvSpPr txBox="1"/>
+          <p:nvPr/>
+        </p:nvSpPr>
+        <p:spPr>
+          <a:xfrm>
             <a:off x="2625823" y="1627131"/>
             <a:ext cx="5770642" cy="860528"/>
           </a:xfrm>
@@ -3839,7 +3823,7 @@
           </a:prstGeom>
         </p:spPr>
         <p:txBody>
-          <a:bodyPr anchor="t" rtlCol="false" tIns="0" lIns="0" bIns="0" rIns="0">
+          <a:bodyPr lIns="0" tIns="0" rIns="0" bIns="0" rtlCol="0" anchor="t">
             <a:spAutoFit/>
           </a:bodyPr>
           <a:lstStyle/>
@@ -3870,13 +3854,14 @@
 </file>
 
 <file path=ppt/slides/slide11.xml><?xml version="1.0" encoding="utf-8"?>
-<p:sld xmlns:p="http://schemas.openxmlformats.org/presentationml/2006/main" xmlns:a="http://schemas.openxmlformats.org/drawingml/2006/main" xmlns:r="http://schemas.openxmlformats.org/officeDocument/2006/relationships">
+<p:sld xmlns:a="http://schemas.openxmlformats.org/drawingml/2006/main" xmlns:r="http://schemas.openxmlformats.org/officeDocument/2006/relationships" xmlns:p="http://schemas.openxmlformats.org/presentationml/2006/main">
   <p:cSld>
     <p:bg>
       <p:bgPr>
         <a:solidFill>
           <a:srgbClr val="3B5998"/>
         </a:solidFill>
+        <a:effectLst/>
       </p:bgPr>
     </p:bg>
     <p:spTree>
@@ -3895,21 +3880,21 @@
       </p:grpSpPr>
       <p:pic>
         <p:nvPicPr>
-          <p:cNvPr name="Picture 2" id="2"/>
+          <p:cNvPr id="2" name="Picture 2"/>
           <p:cNvPicPr>
-            <a:picLocks noChangeAspect="true"/>
+            <a:picLocks noChangeAspect="1"/>
           </p:cNvPicPr>
           <p:nvPr/>
         </p:nvPicPr>
         <p:blipFill>
           <a:blip r:embed="rId2"/>
-          <a:srcRect l="0" t="0" r="0" b="0"/>
+          <a:srcRect/>
           <a:stretch>
             <a:fillRect/>
           </a:stretch>
         </p:blipFill>
         <p:spPr>
-          <a:xfrm flipH="false" flipV="false" rot="0">
+          <a:xfrm>
             <a:off x="0" y="6825913"/>
             <a:ext cx="1938209" cy="3461087"/>
           </a:xfrm>
@@ -3920,21 +3905,21 @@
       </p:pic>
       <p:pic>
         <p:nvPicPr>
-          <p:cNvPr name="Picture 3" id="3"/>
+          <p:cNvPr id="3" name="Picture 3"/>
           <p:cNvPicPr>
-            <a:picLocks noChangeAspect="true"/>
+            <a:picLocks noChangeAspect="1"/>
           </p:cNvPicPr>
           <p:nvPr/>
         </p:nvPicPr>
         <p:blipFill>
           <a:blip r:embed="rId3"/>
-          <a:srcRect l="0" t="0" r="0" b="0"/>
+          <a:srcRect/>
           <a:stretch>
             <a:fillRect/>
           </a:stretch>
         </p:blipFill>
         <p:spPr>
-          <a:xfrm flipH="false" flipV="false" rot="-10800000">
+          <a:xfrm rot="-10800000">
             <a:off x="15857790" y="7407777"/>
             <a:ext cx="3095939" cy="2879223"/>
           </a:xfrm>
@@ -3945,9 +3930,9 @@
       </p:pic>
       <p:grpSp>
         <p:nvGrpSpPr>
-          <p:cNvPr name="Group 4" id="4"/>
+          <p:cNvPr id="4" name="Group 4"/>
           <p:cNvGrpSpPr>
-            <a:grpSpLocks noChangeAspect="true"/>
+            <a:grpSpLocks noChangeAspect="1"/>
           </p:cNvGrpSpPr>
           <p:nvPr/>
         </p:nvGrpSpPr>
@@ -3961,7 +3946,7 @@
         </p:grpSpPr>
         <p:sp>
           <p:nvSpPr>
-            <p:cNvPr name="Freeform 5" id="5"/>
+            <p:cNvPr id="5" name="Freeform 5"/>
             <p:cNvSpPr/>
             <p:nvPr/>
           </p:nvSpPr>
@@ -3975,9 +3960,9 @@
               <a:gdLst/>
               <a:ahLst/>
               <a:cxnLst/>
-              <a:rect r="r" b="b" t="t" l="l"/>
+              <a:rect l="l" t="t" r="r" b="b"/>
               <a:pathLst>
-                <a:path h="11514742" w="10990384">
+                <a:path w="10990384" h="11514742">
                   <a:moveTo>
                     <a:pt x="8792" y="5757371"/>
                   </a:moveTo>
@@ -4023,21 +4008,21 @@
       </p:grpSp>
       <p:pic>
         <p:nvPicPr>
-          <p:cNvPr name="Picture 6" id="6"/>
+          <p:cNvPr id="6" name="Picture 6"/>
           <p:cNvPicPr>
-            <a:picLocks noChangeAspect="true"/>
+            <a:picLocks noChangeAspect="1"/>
           </p:cNvPicPr>
           <p:nvPr/>
         </p:nvPicPr>
         <p:blipFill>
           <a:blip r:embed="rId4"/>
-          <a:srcRect l="0" t="0" r="0" b="0"/>
+          <a:srcRect/>
           <a:stretch>
             <a:fillRect/>
           </a:stretch>
         </p:blipFill>
         <p:spPr>
-          <a:xfrm flipH="false" flipV="false" rot="0">
+          <a:xfrm>
             <a:off x="17155612" y="235737"/>
             <a:ext cx="767779" cy="1495846"/>
           </a:xfrm>
@@ -4048,21 +4033,21 @@
       </p:pic>
       <p:pic>
         <p:nvPicPr>
-          <p:cNvPr name="Picture 7" id="7"/>
+          <p:cNvPr id="7" name="Picture 7"/>
           <p:cNvPicPr>
-            <a:picLocks noChangeAspect="true"/>
+            <a:picLocks noChangeAspect="1"/>
           </p:cNvPicPr>
           <p:nvPr/>
         </p:nvPicPr>
         <p:blipFill>
           <a:blip r:embed="rId5"/>
-          <a:srcRect l="0" t="0" r="0" b="0"/>
+          <a:srcRect/>
           <a:stretch>
             <a:fillRect/>
           </a:stretch>
         </p:blipFill>
         <p:spPr>
-          <a:xfrm flipH="false" flipV="false" rot="0">
+          <a:xfrm>
             <a:off x="1938209" y="1595245"/>
             <a:ext cx="704576" cy="704576"/>
           </a:xfrm>
@@ -4071,39 +4056,14 @@
           </a:prstGeom>
         </p:spPr>
       </p:pic>
-      <p:pic>
-        <p:nvPicPr>
-          <p:cNvPr name="Picture 8" id="8"/>
-          <p:cNvPicPr>
-            <a:picLocks noChangeAspect="true"/>
-          </p:cNvPicPr>
-          <p:nvPr/>
-        </p:nvPicPr>
-        <p:blipFill>
-          <a:blip r:embed="rId6"/>
-          <a:srcRect l="6379" t="8469" r="3629" b="11674"/>
-          <a:stretch>
-            <a:fillRect/>
-          </a:stretch>
-        </p:blipFill>
-        <p:spPr>
-          <a:xfrm flipH="false" flipV="false" rot="0">
-            <a:off x="2899348" y="2373035"/>
-            <a:ext cx="12489304" cy="7467831"/>
-          </a:xfrm>
-          <a:prstGeom prst="rect">
-            <a:avLst/>
-          </a:prstGeom>
-        </p:spPr>
-      </p:pic>
-      <p:sp>
-        <p:nvSpPr>
-          <p:cNvPr name="TextBox 9" id="9"/>
-          <p:cNvSpPr txBox="true"/>
-          <p:nvPr/>
-        </p:nvSpPr>
-        <p:spPr>
-          <a:xfrm rot="0">
+      <p:sp>
+        <p:nvSpPr>
+          <p:cNvPr id="9" name="TextBox 9"/>
+          <p:cNvSpPr txBox="1"/>
+          <p:nvPr/>
+        </p:nvSpPr>
+        <p:spPr>
+          <a:xfrm>
             <a:off x="969104" y="211194"/>
             <a:ext cx="10477019" cy="1215912"/>
           </a:xfrm>
@@ -4112,7 +4072,7 @@
           </a:prstGeom>
         </p:spPr>
         <p:txBody>
-          <a:bodyPr anchor="t" rtlCol="false" tIns="0" lIns="0" bIns="0" rIns="0">
+          <a:bodyPr lIns="0" tIns="0" rIns="0" bIns="0" rtlCol="0" anchor="t">
             <a:spAutoFit/>
           </a:bodyPr>
           <a:lstStyle/>
@@ -4136,12 +4096,12 @@
       </p:sp>
       <p:sp>
         <p:nvSpPr>
-          <p:cNvPr name="TextBox 10" id="10"/>
-          <p:cNvSpPr txBox="true"/>
-          <p:nvPr/>
-        </p:nvSpPr>
-        <p:spPr>
-          <a:xfrm rot="0">
+          <p:cNvPr id="10" name="TextBox 10"/>
+          <p:cNvSpPr txBox="1"/>
+          <p:nvPr/>
+        </p:nvSpPr>
+        <p:spPr>
+          <a:xfrm>
             <a:off x="3071547" y="1512507"/>
             <a:ext cx="9561592" cy="860528"/>
           </a:xfrm>
@@ -4150,7 +4110,7 @@
           </a:prstGeom>
         </p:spPr>
         <p:txBody>
-          <a:bodyPr anchor="t" rtlCol="false" tIns="0" lIns="0" bIns="0" rIns="0">
+          <a:bodyPr lIns="0" tIns="0" rIns="0" bIns="0" rtlCol="0" anchor="t">
             <a:spAutoFit/>
           </a:bodyPr>
           <a:lstStyle/>
@@ -4172,6 +4132,36 @@
           </a:p>
         </p:txBody>
       </p:sp>
+      <p:pic>
+        <p:nvPicPr>
+          <p:cNvPr id="11" name="Picture 10">
+            <a:extLst>
+              <a:ext uri="{FF2B5EF4-FFF2-40B4-BE49-F238E27FC236}">
+                <a16:creationId xmlns:a16="http://schemas.microsoft.com/office/drawing/2014/main" id="{3B1B66A5-A936-400F-A17E-9B85B0A72EFF}"/>
+              </a:ext>
+            </a:extLst>
+          </p:cNvPr>
+          <p:cNvPicPr>
+            <a:picLocks noChangeAspect="1"/>
+          </p:cNvPicPr>
+          <p:nvPr/>
+        </p:nvPicPr>
+        <p:blipFill>
+          <a:blip r:embed="rId6"/>
+          <a:stretch>
+            <a:fillRect/>
+          </a:stretch>
+        </p:blipFill>
+        <p:spPr>
+          <a:xfrm>
+            <a:off x="2438400" y="2409684"/>
+            <a:ext cx="12344400" cy="7707417"/>
+          </a:xfrm>
+          <a:prstGeom prst="rect">
+            <a:avLst/>
+          </a:prstGeom>
+        </p:spPr>
+      </p:pic>
     </p:spTree>
   </p:cSld>
   <p:clrMapOvr>
@@ -4181,13 +4171,14 @@
 </file>
 
 <file path=ppt/slides/slide12.xml><?xml version="1.0" encoding="utf-8"?>
-<p:sld xmlns:p="http://schemas.openxmlformats.org/presentationml/2006/main" xmlns:a="http://schemas.openxmlformats.org/drawingml/2006/main" xmlns:r="http://schemas.openxmlformats.org/officeDocument/2006/relationships">
+<p:sld xmlns:a="http://schemas.openxmlformats.org/drawingml/2006/main" xmlns:r="http://schemas.openxmlformats.org/officeDocument/2006/relationships" xmlns:p="http://schemas.openxmlformats.org/presentationml/2006/main">
   <p:cSld>
     <p:bg>
       <p:bgPr>
         <a:solidFill>
           <a:srgbClr val="3B5998"/>
         </a:solidFill>
+        <a:effectLst/>
       </p:bgPr>
     </p:bg>
     <p:spTree>
@@ -4206,21 +4197,21 @@
       </p:grpSpPr>
       <p:pic>
         <p:nvPicPr>
-          <p:cNvPr name="Picture 2" id="2"/>
+          <p:cNvPr id="2" name="Picture 2"/>
           <p:cNvPicPr>
-            <a:picLocks noChangeAspect="true"/>
+            <a:picLocks noChangeAspect="1"/>
           </p:cNvPicPr>
           <p:nvPr/>
         </p:nvPicPr>
         <p:blipFill>
           <a:blip r:embed="rId2"/>
-          <a:srcRect l="0" t="0" r="0" b="0"/>
+          <a:srcRect/>
           <a:stretch>
             <a:fillRect/>
           </a:stretch>
         </p:blipFill>
         <p:spPr>
-          <a:xfrm flipH="false" flipV="false" rot="0">
+          <a:xfrm>
             <a:off x="0" y="6825913"/>
             <a:ext cx="1938209" cy="3461087"/>
           </a:xfrm>
@@ -4231,21 +4222,21 @@
       </p:pic>
       <p:pic>
         <p:nvPicPr>
-          <p:cNvPr name="Picture 3" id="3"/>
+          <p:cNvPr id="3" name="Picture 3"/>
           <p:cNvPicPr>
-            <a:picLocks noChangeAspect="true"/>
+            <a:picLocks noChangeAspect="1"/>
           </p:cNvPicPr>
           <p:nvPr/>
         </p:nvPicPr>
         <p:blipFill>
           <a:blip r:embed="rId3"/>
-          <a:srcRect l="0" t="0" r="0" b="0"/>
+          <a:srcRect/>
           <a:stretch>
             <a:fillRect/>
           </a:stretch>
         </p:blipFill>
         <p:spPr>
-          <a:xfrm flipH="false" flipV="false" rot="-10800000">
+          <a:xfrm rot="-10800000">
             <a:off x="15857790" y="7291880"/>
             <a:ext cx="3095939" cy="2879223"/>
           </a:xfrm>
@@ -4256,9 +4247,9 @@
       </p:pic>
       <p:grpSp>
         <p:nvGrpSpPr>
-          <p:cNvPr name="Group 4" id="4"/>
+          <p:cNvPr id="4" name="Group 4"/>
           <p:cNvGrpSpPr>
-            <a:grpSpLocks noChangeAspect="true"/>
+            <a:grpSpLocks noChangeAspect="1"/>
           </p:cNvGrpSpPr>
           <p:nvPr/>
         </p:nvGrpSpPr>
@@ -4272,7 +4263,7 @@
         </p:grpSpPr>
         <p:sp>
           <p:nvSpPr>
-            <p:cNvPr name="Freeform 5" id="5"/>
+            <p:cNvPr id="5" name="Freeform 5"/>
             <p:cNvSpPr/>
             <p:nvPr/>
           </p:nvSpPr>
@@ -4286,9 +4277,9 @@
               <a:gdLst/>
               <a:ahLst/>
               <a:cxnLst/>
-              <a:rect r="r" b="b" t="t" l="l"/>
+              <a:rect l="l" t="t" r="r" b="b"/>
               <a:pathLst>
-                <a:path h="11514742" w="10990384">
+                <a:path w="10990384" h="11514742">
                   <a:moveTo>
                     <a:pt x="8792" y="5757371"/>
                   </a:moveTo>
@@ -4334,21 +4325,21 @@
       </p:grpSp>
       <p:pic>
         <p:nvPicPr>
-          <p:cNvPr name="Picture 6" id="6"/>
+          <p:cNvPr id="6" name="Picture 6"/>
           <p:cNvPicPr>
-            <a:picLocks noChangeAspect="true"/>
+            <a:picLocks noChangeAspect="1"/>
           </p:cNvPicPr>
           <p:nvPr/>
         </p:nvPicPr>
         <p:blipFill>
           <a:blip r:embed="rId4"/>
-          <a:srcRect l="0" t="0" r="0" b="0"/>
+          <a:srcRect/>
           <a:stretch>
             <a:fillRect/>
           </a:stretch>
         </p:blipFill>
         <p:spPr>
-          <a:xfrm flipH="false" flipV="false" rot="0">
+          <a:xfrm>
             <a:off x="17155612" y="235737"/>
             <a:ext cx="767779" cy="1495846"/>
           </a:xfrm>
@@ -4359,21 +4350,21 @@
       </p:pic>
       <p:pic>
         <p:nvPicPr>
-          <p:cNvPr name="Picture 7" id="7"/>
+          <p:cNvPr id="7" name="Picture 7"/>
           <p:cNvPicPr>
-            <a:picLocks noChangeAspect="true"/>
+            <a:picLocks noChangeAspect="1"/>
           </p:cNvPicPr>
           <p:nvPr/>
         </p:nvPicPr>
         <p:blipFill>
           <a:blip r:embed="rId5"/>
-          <a:srcRect l="0" t="0" r="0" b="0"/>
+          <a:srcRect/>
           <a:stretch>
             <a:fillRect/>
           </a:stretch>
         </p:blipFill>
         <p:spPr>
-          <a:xfrm flipH="false" flipV="false" rot="0">
+          <a:xfrm>
             <a:off x="1631278" y="1804795"/>
             <a:ext cx="704576" cy="704576"/>
           </a:xfrm>
@@ -4384,21 +4375,21 @@
       </p:pic>
       <p:pic>
         <p:nvPicPr>
-          <p:cNvPr name="Picture 8" id="8"/>
+          <p:cNvPr id="8" name="Picture 8"/>
           <p:cNvPicPr>
-            <a:picLocks noChangeAspect="true"/>
+            <a:picLocks noChangeAspect="1"/>
           </p:cNvPicPr>
           <p:nvPr/>
         </p:nvPicPr>
         <p:blipFill>
           <a:blip r:embed="rId6"/>
-          <a:srcRect l="0" t="0" r="0" b="0"/>
+          <a:srcRect/>
           <a:stretch>
             <a:fillRect/>
           </a:stretch>
         </p:blipFill>
         <p:spPr>
-          <a:xfrm flipH="false" flipV="false" rot="0">
+          <a:xfrm>
             <a:off x="4589741" y="2509371"/>
             <a:ext cx="9509366" cy="7980475"/>
           </a:xfrm>
@@ -4409,12 +4400,12 @@
       </p:pic>
       <p:sp>
         <p:nvSpPr>
-          <p:cNvPr name="TextBox 9" id="9"/>
-          <p:cNvSpPr txBox="true"/>
-          <p:nvPr/>
-        </p:nvSpPr>
-        <p:spPr>
-          <a:xfrm rot="0">
+          <p:cNvPr id="9" name="TextBox 9"/>
+          <p:cNvSpPr txBox="1"/>
+          <p:nvPr/>
+        </p:nvSpPr>
+        <p:spPr>
+          <a:xfrm>
             <a:off x="969104" y="420744"/>
             <a:ext cx="10477019" cy="1215912"/>
           </a:xfrm>
@@ -4423,7 +4414,7 @@
           </a:prstGeom>
         </p:spPr>
         <p:txBody>
-          <a:bodyPr anchor="t" rtlCol="false" tIns="0" lIns="0" bIns="0" rIns="0">
+          <a:bodyPr lIns="0" tIns="0" rIns="0" bIns="0" rtlCol="0" anchor="t">
             <a:spAutoFit/>
           </a:bodyPr>
           <a:lstStyle/>
@@ -4447,12 +4438,12 @@
       </p:sp>
       <p:sp>
         <p:nvSpPr>
-          <p:cNvPr name="TextBox 10" id="10"/>
-          <p:cNvSpPr txBox="true"/>
-          <p:nvPr/>
-        </p:nvSpPr>
-        <p:spPr>
-          <a:xfrm rot="0">
+          <p:cNvPr id="10" name="TextBox 10"/>
+          <p:cNvSpPr txBox="1"/>
+          <p:nvPr/>
+        </p:nvSpPr>
+        <p:spPr>
+          <a:xfrm>
             <a:off x="2555066" y="1722057"/>
             <a:ext cx="10323592" cy="860528"/>
           </a:xfrm>
@@ -4461,7 +4452,7 @@
           </a:prstGeom>
         </p:spPr>
         <p:txBody>
-          <a:bodyPr anchor="t" rtlCol="false" tIns="0" lIns="0" bIns="0" rIns="0">
+          <a:bodyPr lIns="0" tIns="0" rIns="0" bIns="0" rtlCol="0" anchor="t">
             <a:spAutoFit/>
           </a:bodyPr>
           <a:lstStyle/>
@@ -4492,13 +4483,14 @@
 </file>
 
 <file path=ppt/slides/slide13.xml><?xml version="1.0" encoding="utf-8"?>
-<p:sld xmlns:p="http://schemas.openxmlformats.org/presentationml/2006/main" xmlns:a="http://schemas.openxmlformats.org/drawingml/2006/main" xmlns:r="http://schemas.openxmlformats.org/officeDocument/2006/relationships">
+<p:sld xmlns:a="http://schemas.openxmlformats.org/drawingml/2006/main" xmlns:r="http://schemas.openxmlformats.org/officeDocument/2006/relationships" xmlns:p="http://schemas.openxmlformats.org/presentationml/2006/main">
   <p:cSld>
     <p:bg>
       <p:bgPr>
         <a:solidFill>
           <a:srgbClr val="F7F4FA"/>
         </a:solidFill>
+        <a:effectLst/>
       </p:bgPr>
     </p:bg>
     <p:spTree>
@@ -4517,12 +4509,12 @@
       </p:grpSpPr>
       <p:sp>
         <p:nvSpPr>
-          <p:cNvPr name="TextBox 2" id="2"/>
-          <p:cNvSpPr txBox="true"/>
-          <p:nvPr/>
-        </p:nvSpPr>
-        <p:spPr>
-          <a:xfrm rot="0">
+          <p:cNvPr id="2" name="TextBox 2"/>
+          <p:cNvSpPr txBox="1"/>
+          <p:nvPr/>
+        </p:nvSpPr>
+        <p:spPr>
+          <a:xfrm>
             <a:off x="5614528" y="514350"/>
             <a:ext cx="8024495" cy="959304"/>
           </a:xfrm>
@@ -4531,7 +4523,7 @@
           </a:prstGeom>
         </p:spPr>
         <p:txBody>
-          <a:bodyPr anchor="t" rtlCol="false" tIns="0" lIns="0" bIns="0" rIns="0">
+          <a:bodyPr lIns="0" tIns="0" rIns="0" bIns="0" rtlCol="0" anchor="t">
             <a:spAutoFit/>
           </a:bodyPr>
           <a:lstStyle/>
@@ -4555,21 +4547,21 @@
       </p:sp>
       <p:pic>
         <p:nvPicPr>
-          <p:cNvPr name="Picture 3" id="3"/>
+          <p:cNvPr id="3" name="Picture 3"/>
           <p:cNvPicPr>
-            <a:picLocks noChangeAspect="true"/>
+            <a:picLocks noChangeAspect="1"/>
           </p:cNvPicPr>
           <p:nvPr/>
         </p:nvPicPr>
         <p:blipFill>
           <a:blip r:embed="rId2"/>
-          <a:srcRect l="0" t="0" r="0" b="0"/>
+          <a:srcRect/>
           <a:stretch>
             <a:fillRect/>
           </a:stretch>
         </p:blipFill>
         <p:spPr>
-          <a:xfrm flipH="false" flipV="false" rot="0">
+          <a:xfrm>
             <a:off x="0" y="6907444"/>
             <a:ext cx="1892551" cy="3379556"/>
           </a:xfrm>
@@ -4580,21 +4572,21 @@
       </p:pic>
       <p:pic>
         <p:nvPicPr>
-          <p:cNvPr name="Picture 4" id="4"/>
+          <p:cNvPr id="4" name="Picture 4"/>
           <p:cNvPicPr>
-            <a:picLocks noChangeAspect="true"/>
+            <a:picLocks noChangeAspect="1"/>
           </p:cNvPicPr>
           <p:nvPr/>
         </p:nvPicPr>
         <p:blipFill>
           <a:blip r:embed="rId3"/>
-          <a:srcRect l="0" t="0" r="0" b="0"/>
+          <a:srcRect/>
           <a:stretch>
             <a:fillRect/>
           </a:stretch>
         </p:blipFill>
         <p:spPr>
-          <a:xfrm flipH="false" flipV="false" rot="-10800000">
+          <a:xfrm rot="-10800000">
             <a:off x="1028700" y="1378770"/>
             <a:ext cx="3095939" cy="2879223"/>
           </a:xfrm>
@@ -4605,9 +4597,9 @@
       </p:pic>
       <p:grpSp>
         <p:nvGrpSpPr>
-          <p:cNvPr name="Group 5" id="5"/>
+          <p:cNvPr id="5" name="Group 5"/>
           <p:cNvGrpSpPr>
-            <a:grpSpLocks noChangeAspect="true"/>
+            <a:grpSpLocks noChangeAspect="1"/>
           </p:cNvGrpSpPr>
           <p:nvPr/>
         </p:nvGrpSpPr>
@@ -4621,7 +4613,7 @@
         </p:grpSpPr>
         <p:sp>
           <p:nvSpPr>
-            <p:cNvPr name="Freeform 6" id="6"/>
+            <p:cNvPr id="6" name="Freeform 6"/>
             <p:cNvSpPr/>
             <p:nvPr/>
           </p:nvSpPr>
@@ -4635,9 +4627,9 @@
               <a:gdLst/>
               <a:ahLst/>
               <a:cxnLst/>
-              <a:rect r="r" b="b" t="t" l="l"/>
+              <a:rect l="l" t="t" r="r" b="b"/>
               <a:pathLst>
-                <a:path h="11514742" w="10990384">
+                <a:path w="10990384" h="11514742">
                   <a:moveTo>
                     <a:pt x="8792" y="5757371"/>
                   </a:moveTo>
@@ -4683,21 +4675,21 @@
       </p:grpSp>
       <p:pic>
         <p:nvPicPr>
-          <p:cNvPr name="Picture 7" id="7"/>
+          <p:cNvPr id="7" name="Picture 7"/>
           <p:cNvPicPr>
-            <a:picLocks noChangeAspect="true"/>
+            <a:picLocks noChangeAspect="1"/>
           </p:cNvPicPr>
           <p:nvPr/>
         </p:nvPicPr>
         <p:blipFill>
           <a:blip r:embed="rId3"/>
-          <a:srcRect l="0" t="0" r="0" b="0"/>
+          <a:srcRect/>
           <a:stretch>
             <a:fillRect/>
           </a:stretch>
         </p:blipFill>
         <p:spPr>
-          <a:xfrm flipH="false" flipV="false" rot="-10800000">
+          <a:xfrm rot="-10800000">
             <a:off x="1028700" y="4736704"/>
             <a:ext cx="3095939" cy="2879223"/>
           </a:xfrm>
@@ -4708,12 +4700,12 @@
       </p:pic>
       <p:sp>
         <p:nvSpPr>
-          <p:cNvPr name="TextBox 8" id="8"/>
-          <p:cNvSpPr txBox="true"/>
-          <p:nvPr/>
-        </p:nvSpPr>
-        <p:spPr>
-          <a:xfrm rot="0">
+          <p:cNvPr id="8" name="TextBox 8"/>
+          <p:cNvSpPr txBox="1"/>
+          <p:nvPr/>
+        </p:nvSpPr>
+        <p:spPr>
+          <a:xfrm>
             <a:off x="5614528" y="3833949"/>
             <a:ext cx="8024495" cy="959304"/>
           </a:xfrm>
@@ -4722,7 +4714,7 @@
           </a:prstGeom>
         </p:spPr>
         <p:txBody>
-          <a:bodyPr anchor="t" rtlCol="false" tIns="0" lIns="0" bIns="0" rIns="0">
+          <a:bodyPr lIns="0" tIns="0" rIns="0" bIns="0" rtlCol="0" anchor="t">
             <a:spAutoFit/>
           </a:bodyPr>
           <a:lstStyle/>
@@ -4746,12 +4738,12 @@
       </p:sp>
       <p:sp>
         <p:nvSpPr>
-          <p:cNvPr name="TextBox 9" id="9"/>
-          <p:cNvSpPr txBox="true"/>
-          <p:nvPr/>
-        </p:nvSpPr>
-        <p:spPr>
-          <a:xfrm rot="0">
+          <p:cNvPr id="9" name="TextBox 9"/>
+          <p:cNvSpPr txBox="1"/>
+          <p:nvPr/>
+        </p:nvSpPr>
+        <p:spPr>
+          <a:xfrm>
             <a:off x="5614528" y="5493748"/>
             <a:ext cx="8024495" cy="959304"/>
           </a:xfrm>
@@ -4760,7 +4752,7 @@
           </a:prstGeom>
         </p:spPr>
         <p:txBody>
-          <a:bodyPr anchor="t" rtlCol="false" tIns="0" lIns="0" bIns="0" rIns="0">
+          <a:bodyPr lIns="0" tIns="0" rIns="0" bIns="0" rtlCol="0" anchor="t">
             <a:spAutoFit/>
           </a:bodyPr>
           <a:lstStyle/>
@@ -4771,25 +4763,43 @@
               </a:lnSpc>
             </a:pPr>
             <a:r>
-              <a:rPr lang="en-US" sz="6311">
+              <a:rPr lang="en-US" sz="6311" dirty="0">
                 <a:solidFill>
                   <a:srgbClr val="17161C"/>
                 </a:solidFill>
                 <a:latin typeface="Quicksand Bold"/>
               </a:rPr>
-              <a:t>EC2 na AWS</a:t>
-            </a:r>
-          </a:p>
-        </p:txBody>
-      </p:sp>
-      <p:sp>
-        <p:nvSpPr>
-          <p:cNvPr name="TextBox 10" id="10"/>
-          <p:cNvSpPr txBox="true"/>
-          <p:nvPr/>
-        </p:nvSpPr>
-        <p:spPr>
-          <a:xfrm rot="0">
+              <a:t>EC2 </a:t>
+            </a:r>
+            <a:r>
+              <a:rPr lang="en-US" sz="6311" dirty="0" err="1">
+                <a:solidFill>
+                  <a:srgbClr val="17161C"/>
+                </a:solidFill>
+                <a:latin typeface="Quicksand Bold"/>
+              </a:rPr>
+              <a:t>na</a:t>
+            </a:r>
+            <a:r>
+              <a:rPr lang="en-US" sz="6311" dirty="0">
+                <a:solidFill>
+                  <a:srgbClr val="17161C"/>
+                </a:solidFill>
+                <a:latin typeface="Quicksand Bold"/>
+              </a:rPr>
+              <a:t> AWS</a:t>
+            </a:r>
+          </a:p>
+        </p:txBody>
+      </p:sp>
+      <p:sp>
+        <p:nvSpPr>
+          <p:cNvPr id="10" name="TextBox 10"/>
+          <p:cNvSpPr txBox="1"/>
+          <p:nvPr/>
+        </p:nvSpPr>
+        <p:spPr>
+          <a:xfrm>
             <a:off x="5614528" y="7153547"/>
             <a:ext cx="8024495" cy="959304"/>
           </a:xfrm>
@@ -4798,7 +4808,7 @@
           </a:prstGeom>
         </p:spPr>
         <p:txBody>
-          <a:bodyPr anchor="t" rtlCol="false" tIns="0" lIns="0" bIns="0" rIns="0">
+          <a:bodyPr lIns="0" tIns="0" rIns="0" bIns="0" rtlCol="0" anchor="t">
             <a:spAutoFit/>
           </a:bodyPr>
           <a:lstStyle/>
@@ -4822,12 +4832,12 @@
       </p:sp>
       <p:sp>
         <p:nvSpPr>
-          <p:cNvPr name="TextBox 11" id="11"/>
-          <p:cNvSpPr txBox="true"/>
-          <p:nvPr/>
-        </p:nvSpPr>
-        <p:spPr>
-          <a:xfrm rot="0">
+          <p:cNvPr id="11" name="TextBox 11"/>
+          <p:cNvSpPr txBox="1"/>
+          <p:nvPr/>
+        </p:nvSpPr>
+        <p:spPr>
+          <a:xfrm>
             <a:off x="5614528" y="8813346"/>
             <a:ext cx="9724222" cy="959304"/>
           </a:xfrm>
@@ -4836,7 +4846,7 @@
           </a:prstGeom>
         </p:spPr>
         <p:txBody>
-          <a:bodyPr anchor="t" rtlCol="false" tIns="0" lIns="0" bIns="0" rIns="0">
+          <a:bodyPr lIns="0" tIns="0" rIns="0" bIns="0" rtlCol="0" anchor="t">
             <a:spAutoFit/>
           </a:bodyPr>
           <a:lstStyle/>
@@ -4860,12 +4870,12 @@
       </p:sp>
       <p:sp>
         <p:nvSpPr>
-          <p:cNvPr name="TextBox 12" id="12"/>
-          <p:cNvSpPr txBox="true"/>
-          <p:nvPr/>
-        </p:nvSpPr>
-        <p:spPr>
-          <a:xfrm rot="0">
+          <p:cNvPr id="12" name="TextBox 12"/>
+          <p:cNvSpPr txBox="1"/>
+          <p:nvPr/>
+        </p:nvSpPr>
+        <p:spPr>
+          <a:xfrm>
             <a:off x="5614528" y="2174149"/>
             <a:ext cx="8024495" cy="959304"/>
           </a:xfrm>
@@ -4874,7 +4884,7 @@
           </a:prstGeom>
         </p:spPr>
         <p:txBody>
-          <a:bodyPr anchor="t" rtlCol="false" tIns="0" lIns="0" bIns="0" rIns="0">
+          <a:bodyPr lIns="0" tIns="0" rIns="0" bIns="0" rtlCol="0" anchor="t">
             <a:spAutoFit/>
           </a:bodyPr>
           <a:lstStyle/>
@@ -4898,21 +4908,21 @@
       </p:sp>
       <p:pic>
         <p:nvPicPr>
-          <p:cNvPr name="Picture 13" id="13"/>
+          <p:cNvPr id="13" name="Picture 13"/>
           <p:cNvPicPr>
-            <a:picLocks noChangeAspect="true"/>
+            <a:picLocks noChangeAspect="1"/>
           </p:cNvPicPr>
           <p:nvPr/>
         </p:nvPicPr>
         <p:blipFill>
           <a:blip r:embed="rId4"/>
-          <a:srcRect l="0" t="0" r="0" b="0"/>
+          <a:srcRect/>
           <a:stretch>
             <a:fillRect/>
           </a:stretch>
         </p:blipFill>
         <p:spPr>
-          <a:xfrm flipH="false" flipV="false" rot="0">
+          <a:xfrm>
             <a:off x="13968359" y="2612522"/>
             <a:ext cx="3290941" cy="3290941"/>
           </a:xfrm>
@@ -4930,13 +4940,14 @@
 </file>
 
 <file path=ppt/slides/slide14.xml><?xml version="1.0" encoding="utf-8"?>
-<p:sld xmlns:p="http://schemas.openxmlformats.org/presentationml/2006/main" xmlns:a="http://schemas.openxmlformats.org/drawingml/2006/main" xmlns:r="http://schemas.openxmlformats.org/officeDocument/2006/relationships">
+<p:sld xmlns:a="http://schemas.openxmlformats.org/drawingml/2006/main" xmlns:r="http://schemas.openxmlformats.org/officeDocument/2006/relationships" xmlns:p="http://schemas.openxmlformats.org/presentationml/2006/main">
   <p:cSld>
     <p:bg>
       <p:bgPr>
         <a:solidFill>
           <a:srgbClr val="17161C"/>
         </a:solidFill>
+        <a:effectLst/>
       </p:bgPr>
     </p:bg>
     <p:spTree>
@@ -4955,21 +4966,21 @@
       </p:grpSpPr>
       <p:pic>
         <p:nvPicPr>
-          <p:cNvPr name="Picture 2" id="2"/>
+          <p:cNvPr id="2" name="Picture 2"/>
           <p:cNvPicPr>
-            <a:picLocks noChangeAspect="true"/>
+            <a:picLocks noChangeAspect="1"/>
           </p:cNvPicPr>
           <p:nvPr/>
         </p:nvPicPr>
         <p:blipFill>
           <a:blip r:embed="rId2"/>
-          <a:srcRect l="0" t="0" r="0" b="0"/>
+          <a:srcRect/>
           <a:stretch>
             <a:fillRect/>
           </a:stretch>
         </p:blipFill>
         <p:spPr>
-          <a:xfrm flipH="false" flipV="false" rot="0">
+          <a:xfrm>
             <a:off x="17002191" y="8881635"/>
             <a:ext cx="257109" cy="376665"/>
           </a:xfrm>
@@ -4980,21 +4991,21 @@
       </p:pic>
       <p:pic>
         <p:nvPicPr>
-          <p:cNvPr name="Picture 3" id="3"/>
+          <p:cNvPr id="3" name="Picture 3"/>
           <p:cNvPicPr>
-            <a:picLocks noChangeAspect="true"/>
+            <a:picLocks noChangeAspect="1"/>
           </p:cNvPicPr>
           <p:nvPr/>
         </p:nvPicPr>
         <p:blipFill>
           <a:blip r:embed="rId3"/>
-          <a:srcRect l="0" t="0" r="0" b="0"/>
+          <a:srcRect/>
           <a:stretch>
             <a:fillRect/>
           </a:stretch>
         </p:blipFill>
         <p:spPr>
-          <a:xfrm flipH="false" flipV="false" rot="0">
+          <a:xfrm>
             <a:off x="14163361" y="4581239"/>
             <a:ext cx="3095939" cy="2879223"/>
           </a:xfrm>
@@ -5005,14 +5016,14 @@
       </p:pic>
       <p:grpSp>
         <p:nvGrpSpPr>
-          <p:cNvPr name="Group 4" id="4"/>
+          <p:cNvPr id="4" name="Group 4"/>
           <p:cNvGrpSpPr>
-            <a:grpSpLocks noChangeAspect="true"/>
+            <a:grpSpLocks noChangeAspect="1"/>
           </p:cNvGrpSpPr>
           <p:nvPr/>
         </p:nvGrpSpPr>
         <p:grpSpPr>
-          <a:xfrm rot="0">
+          <a:xfrm>
             <a:off x="16101746" y="7065688"/>
             <a:ext cx="700140" cy="700140"/>
             <a:chOff x="1371600" y="6705600"/>
@@ -5021,7 +5032,7 @@
         </p:grpSpPr>
         <p:sp>
           <p:nvSpPr>
-            <p:cNvPr name="Freeform 5" id="5"/>
+            <p:cNvPr id="5" name="Freeform 5"/>
             <p:cNvSpPr/>
             <p:nvPr/>
           </p:nvSpPr>
@@ -5035,9 +5046,9 @@
               <a:gdLst/>
               <a:ahLst/>
               <a:cxnLst/>
-              <a:rect r="r" b="b" t="t" l="l"/>
+              <a:rect l="l" t="t" r="r" b="b"/>
               <a:pathLst>
-                <a:path h="11514742" w="10990384">
+                <a:path w="10990384" h="11514742">
                   <a:moveTo>
                     <a:pt x="8792" y="5757371"/>
                   </a:moveTo>
@@ -5083,21 +5094,21 @@
       </p:grpSp>
       <p:pic>
         <p:nvPicPr>
-          <p:cNvPr name="Picture 6" id="6"/>
+          <p:cNvPr id="6" name="Picture 6"/>
           <p:cNvPicPr>
-            <a:picLocks noChangeAspect="true"/>
+            <a:picLocks noChangeAspect="1"/>
           </p:cNvPicPr>
           <p:nvPr/>
         </p:nvPicPr>
         <p:blipFill>
           <a:blip r:embed="rId4"/>
-          <a:srcRect l="0" t="0" r="0" b="0"/>
+          <a:srcRect/>
           <a:stretch>
             <a:fillRect/>
           </a:stretch>
         </p:blipFill>
         <p:spPr>
-          <a:xfrm flipH="false" flipV="false" rot="-10800000">
+          <a:xfrm rot="-10800000">
             <a:off x="16395449" y="0"/>
             <a:ext cx="1892551" cy="3379556"/>
           </a:xfrm>
@@ -5108,21 +5119,21 @@
       </p:pic>
       <p:pic>
         <p:nvPicPr>
-          <p:cNvPr name="Picture 7" id="7"/>
+          <p:cNvPr id="7" name="Picture 7"/>
           <p:cNvPicPr>
-            <a:picLocks noChangeAspect="true"/>
+            <a:picLocks noChangeAspect="1"/>
           </p:cNvPicPr>
           <p:nvPr/>
         </p:nvPicPr>
         <p:blipFill>
           <a:blip r:embed="rId3"/>
-          <a:srcRect l="0" t="0" r="0" b="0"/>
+          <a:srcRect/>
           <a:stretch>
             <a:fillRect/>
           </a:stretch>
         </p:blipFill>
         <p:spPr>
-          <a:xfrm flipH="false" flipV="false" rot="0">
+          <a:xfrm>
             <a:off x="14163361" y="1241572"/>
             <a:ext cx="3095939" cy="2879223"/>
           </a:xfrm>
@@ -5133,12 +5144,12 @@
       </p:pic>
       <p:sp>
         <p:nvSpPr>
-          <p:cNvPr name="TextBox 8" id="8"/>
-          <p:cNvSpPr txBox="true"/>
-          <p:nvPr/>
-        </p:nvSpPr>
-        <p:spPr>
-          <a:xfrm rot="0">
+          <p:cNvPr id="8" name="TextBox 8"/>
+          <p:cNvSpPr txBox="1"/>
+          <p:nvPr/>
+        </p:nvSpPr>
+        <p:spPr>
+          <a:xfrm>
             <a:off x="1028700" y="549048"/>
             <a:ext cx="8024495" cy="1918607"/>
           </a:xfrm>
@@ -5147,7 +5158,7 @@
           </a:prstGeom>
         </p:spPr>
         <p:txBody>
-          <a:bodyPr anchor="t" rtlCol="false" tIns="0" lIns="0" bIns="0" rIns="0">
+          <a:bodyPr lIns="0" tIns="0" rIns="0" bIns="0" rtlCol="0" anchor="t">
             <a:spAutoFit/>
           </a:bodyPr>
           <a:lstStyle/>
@@ -5171,12 +5182,12 @@
       </p:sp>
       <p:sp>
         <p:nvSpPr>
-          <p:cNvPr name="TextBox 9" id="9"/>
-          <p:cNvSpPr txBox="true"/>
-          <p:nvPr/>
-        </p:nvSpPr>
-        <p:spPr>
-          <a:xfrm rot="0">
+          <p:cNvPr id="9" name="TextBox 9"/>
+          <p:cNvSpPr txBox="1"/>
+          <p:nvPr/>
+        </p:nvSpPr>
+        <p:spPr>
+          <a:xfrm>
             <a:off x="2022277" y="3389081"/>
             <a:ext cx="5770642" cy="533400"/>
           </a:xfrm>
@@ -5185,7 +5196,7 @@
           </a:prstGeom>
         </p:spPr>
         <p:txBody>
-          <a:bodyPr anchor="t" rtlCol="false" tIns="0" lIns="0" bIns="0" rIns="0">
+          <a:bodyPr lIns="0" tIns="0" rIns="0" bIns="0" rtlCol="0" anchor="t">
             <a:spAutoFit/>
           </a:bodyPr>
           <a:lstStyle/>
@@ -5209,12 +5220,12 @@
       </p:sp>
       <p:sp>
         <p:nvSpPr>
-          <p:cNvPr name="TextBox 10" id="10"/>
-          <p:cNvSpPr txBox="true"/>
-          <p:nvPr/>
-        </p:nvSpPr>
-        <p:spPr>
-          <a:xfrm rot="0">
+          <p:cNvPr id="10" name="TextBox 10"/>
+          <p:cNvSpPr txBox="1"/>
+          <p:nvPr/>
+        </p:nvSpPr>
+        <p:spPr>
+          <a:xfrm>
             <a:off x="2022277" y="4398131"/>
             <a:ext cx="5770642" cy="533400"/>
           </a:xfrm>
@@ -5223,7 +5234,7 @@
           </a:prstGeom>
         </p:spPr>
         <p:txBody>
-          <a:bodyPr anchor="t" rtlCol="false" tIns="0" lIns="0" bIns="0" rIns="0">
+          <a:bodyPr lIns="0" tIns="0" rIns="0" bIns="0" rtlCol="0" anchor="t">
             <a:spAutoFit/>
           </a:bodyPr>
           <a:lstStyle/>
@@ -5247,12 +5258,12 @@
       </p:sp>
       <p:sp>
         <p:nvSpPr>
-          <p:cNvPr name="TextBox 11" id="11"/>
-          <p:cNvSpPr txBox="true"/>
-          <p:nvPr/>
-        </p:nvSpPr>
-        <p:spPr>
-          <a:xfrm rot="0">
+          <p:cNvPr id="11" name="TextBox 11"/>
+          <p:cNvSpPr txBox="1"/>
+          <p:nvPr/>
+        </p:nvSpPr>
+        <p:spPr>
+          <a:xfrm>
             <a:off x="2022277" y="5523237"/>
             <a:ext cx="6342142" cy="533400"/>
           </a:xfrm>
@@ -5261,7 +5272,7 @@
           </a:prstGeom>
         </p:spPr>
         <p:txBody>
-          <a:bodyPr anchor="t" rtlCol="false" tIns="0" lIns="0" bIns="0" rIns="0">
+          <a:bodyPr lIns="0" tIns="0" rIns="0" bIns="0" rtlCol="0" anchor="t">
             <a:spAutoFit/>
           </a:bodyPr>
           <a:lstStyle/>
@@ -5285,12 +5296,12 @@
       </p:sp>
       <p:sp>
         <p:nvSpPr>
-          <p:cNvPr name="TextBox 12" id="12"/>
-          <p:cNvSpPr txBox="true"/>
-          <p:nvPr/>
-        </p:nvSpPr>
-        <p:spPr>
-          <a:xfrm rot="0">
+          <p:cNvPr id="12" name="TextBox 12"/>
+          <p:cNvSpPr txBox="1"/>
+          <p:nvPr/>
+        </p:nvSpPr>
+        <p:spPr>
+          <a:xfrm>
             <a:off x="2022277" y="6532288"/>
             <a:ext cx="6342142" cy="533400"/>
           </a:xfrm>
@@ -5299,7 +5310,7 @@
           </a:prstGeom>
         </p:spPr>
         <p:txBody>
-          <a:bodyPr anchor="t" rtlCol="false" tIns="0" lIns="0" bIns="0" rIns="0">
+          <a:bodyPr lIns="0" tIns="0" rIns="0" bIns="0" rtlCol="0" anchor="t">
             <a:spAutoFit/>
           </a:bodyPr>
           <a:lstStyle/>
@@ -5323,21 +5334,21 @@
       </p:sp>
       <p:pic>
         <p:nvPicPr>
-          <p:cNvPr name="Picture 13" id="13"/>
+          <p:cNvPr id="13" name="Picture 13"/>
           <p:cNvPicPr>
-            <a:picLocks noChangeAspect="true"/>
+            <a:picLocks noChangeAspect="1"/>
           </p:cNvPicPr>
           <p:nvPr/>
         </p:nvPicPr>
         <p:blipFill>
           <a:blip r:embed="rId5"/>
-          <a:srcRect l="0" t="0" r="0" b="0"/>
+          <a:srcRect/>
           <a:stretch>
             <a:fillRect/>
           </a:stretch>
         </p:blipFill>
         <p:spPr>
-          <a:xfrm flipH="false" flipV="false" rot="0">
+          <a:xfrm>
             <a:off x="17155612" y="235737"/>
             <a:ext cx="767779" cy="1495846"/>
           </a:xfrm>
@@ -5348,21 +5359,21 @@
       </p:pic>
       <p:pic>
         <p:nvPicPr>
-          <p:cNvPr name="Picture 14" id="14"/>
+          <p:cNvPr id="14" name="Picture 14"/>
           <p:cNvPicPr>
-            <a:picLocks noChangeAspect="true"/>
+            <a:picLocks noChangeAspect="1"/>
           </p:cNvPicPr>
           <p:nvPr/>
         </p:nvPicPr>
         <p:blipFill>
           <a:blip r:embed="rId6"/>
-          <a:srcRect l="0" t="0" r="0" b="0"/>
+          <a:srcRect/>
           <a:stretch>
             <a:fillRect/>
           </a:stretch>
         </p:blipFill>
         <p:spPr>
-          <a:xfrm flipH="false" flipV="false" rot="0">
+          <a:xfrm>
             <a:off x="10741044" y="720934"/>
             <a:ext cx="1523295" cy="1574835"/>
           </a:xfrm>
@@ -5380,13 +5391,14 @@
 </file>
 
 <file path=ppt/slides/slide15.xml><?xml version="1.0" encoding="utf-8"?>
-<p:sld xmlns:p="http://schemas.openxmlformats.org/presentationml/2006/main" xmlns:a="http://schemas.openxmlformats.org/drawingml/2006/main" xmlns:r="http://schemas.openxmlformats.org/officeDocument/2006/relationships">
+<p:sld xmlns:a="http://schemas.openxmlformats.org/drawingml/2006/main" xmlns:r="http://schemas.openxmlformats.org/officeDocument/2006/relationships" xmlns:p="http://schemas.openxmlformats.org/presentationml/2006/main">
   <p:cSld>
     <p:bg>
       <p:bgPr>
         <a:solidFill>
           <a:srgbClr val="3B5998"/>
         </a:solidFill>
+        <a:effectLst/>
       </p:bgPr>
     </p:bg>
     <p:spTree>
@@ -5405,12 +5417,12 @@
       </p:grpSpPr>
       <p:sp>
         <p:nvSpPr>
-          <p:cNvPr name="TextBox 2" id="2"/>
-          <p:cNvSpPr txBox="true"/>
-          <p:nvPr/>
-        </p:nvSpPr>
-        <p:spPr>
-          <a:xfrm rot="0">
+          <p:cNvPr id="2" name="TextBox 2"/>
+          <p:cNvSpPr txBox="1"/>
+          <p:nvPr/>
+        </p:nvSpPr>
+        <p:spPr>
+          <a:xfrm>
             <a:off x="1028700" y="1123626"/>
             <a:ext cx="9518757" cy="1215912"/>
           </a:xfrm>
@@ -5419,7 +5431,7 @@
           </a:prstGeom>
         </p:spPr>
         <p:txBody>
-          <a:bodyPr anchor="t" rtlCol="false" tIns="0" lIns="0" bIns="0" rIns="0">
+          <a:bodyPr lIns="0" tIns="0" rIns="0" bIns="0" rtlCol="0" anchor="t">
             <a:spAutoFit/>
           </a:bodyPr>
           <a:lstStyle/>
@@ -5443,21 +5455,21 @@
       </p:sp>
       <p:pic>
         <p:nvPicPr>
-          <p:cNvPr name="Picture 3" id="3"/>
+          <p:cNvPr id="3" name="Picture 3"/>
           <p:cNvPicPr>
-            <a:picLocks noChangeAspect="true"/>
+            <a:picLocks noChangeAspect="1"/>
           </p:cNvPicPr>
           <p:nvPr/>
         </p:nvPicPr>
         <p:blipFill>
           <a:blip r:embed="rId2"/>
-          <a:srcRect l="0" t="0" r="0" b="0"/>
+          <a:srcRect/>
           <a:stretch>
             <a:fillRect/>
           </a:stretch>
         </p:blipFill>
         <p:spPr>
-          <a:xfrm flipH="false" flipV="false" rot="0">
+          <a:xfrm>
             <a:off x="14430061" y="6911252"/>
             <a:ext cx="3095939" cy="2879223"/>
           </a:xfrm>
@@ -5468,14 +5480,14 @@
       </p:pic>
       <p:grpSp>
         <p:nvGrpSpPr>
-          <p:cNvPr name="Group 4" id="4"/>
+          <p:cNvPr id="4" name="Group 4"/>
           <p:cNvGrpSpPr>
-            <a:grpSpLocks noChangeAspect="true"/>
+            <a:grpSpLocks noChangeAspect="1"/>
           </p:cNvGrpSpPr>
           <p:nvPr/>
         </p:nvGrpSpPr>
         <p:grpSpPr>
-          <a:xfrm rot="0">
+          <a:xfrm>
             <a:off x="16299523" y="9405226"/>
             <a:ext cx="700140" cy="700140"/>
             <a:chOff x="1371600" y="6705600"/>
@@ -5484,7 +5496,7 @@
         </p:grpSpPr>
         <p:sp>
           <p:nvSpPr>
-            <p:cNvPr name="Freeform 5" id="5"/>
+            <p:cNvPr id="5" name="Freeform 5"/>
             <p:cNvSpPr/>
             <p:nvPr/>
           </p:nvSpPr>
@@ -5498,9 +5510,9 @@
               <a:gdLst/>
               <a:ahLst/>
               <a:cxnLst/>
-              <a:rect r="r" b="b" t="t" l="l"/>
+              <a:rect l="l" t="t" r="r" b="b"/>
               <a:pathLst>
-                <a:path h="11514742" w="10990384">
+                <a:path w="10990384" h="11514742">
                   <a:moveTo>
                     <a:pt x="8792" y="5757371"/>
                   </a:moveTo>
@@ -5546,21 +5558,21 @@
       </p:grpSp>
       <p:pic>
         <p:nvPicPr>
-          <p:cNvPr name="Picture 6" id="6"/>
+          <p:cNvPr id="6" name="Picture 6"/>
           <p:cNvPicPr>
-            <a:picLocks noChangeAspect="true"/>
+            <a:picLocks noChangeAspect="1"/>
           </p:cNvPicPr>
           <p:nvPr/>
         </p:nvPicPr>
         <p:blipFill>
           <a:blip r:embed="rId2"/>
-          <a:srcRect l="0" t="0" r="0" b="0"/>
+          <a:srcRect/>
           <a:stretch>
             <a:fillRect/>
           </a:stretch>
         </p:blipFill>
         <p:spPr>
-          <a:xfrm flipH="false" flipV="false" rot="0">
+          <a:xfrm>
             <a:off x="14430061" y="3571585"/>
             <a:ext cx="3095939" cy="2879223"/>
           </a:xfrm>
@@ -5571,21 +5583,21 @@
       </p:pic>
       <p:pic>
         <p:nvPicPr>
-          <p:cNvPr name="Picture 7" id="7"/>
+          <p:cNvPr id="7" name="Picture 7"/>
           <p:cNvPicPr>
-            <a:picLocks noChangeAspect="true"/>
+            <a:picLocks noChangeAspect="1"/>
           </p:cNvPicPr>
           <p:nvPr/>
         </p:nvPicPr>
         <p:blipFill>
           <a:blip r:embed="rId3"/>
-          <a:srcRect l="0" t="0" r="0" b="0"/>
+          <a:srcRect/>
           <a:stretch>
             <a:fillRect/>
           </a:stretch>
         </p:blipFill>
         <p:spPr>
-          <a:xfrm flipH="false" flipV="false" rot="-10800000">
+          <a:xfrm rot="-10800000">
             <a:off x="16593226" y="2339538"/>
             <a:ext cx="1892551" cy="3379556"/>
           </a:xfrm>
@@ -5596,21 +5608,21 @@
       </p:pic>
       <p:pic>
         <p:nvPicPr>
-          <p:cNvPr name="Picture 8" id="8"/>
+          <p:cNvPr id="8" name="Picture 8"/>
           <p:cNvPicPr>
-            <a:picLocks noChangeAspect="true"/>
+            <a:picLocks noChangeAspect="1"/>
           </p:cNvPicPr>
           <p:nvPr/>
         </p:nvPicPr>
         <p:blipFill>
           <a:blip r:embed="rId4"/>
-          <a:srcRect l="0" t="0" r="0" b="0"/>
+          <a:srcRect/>
           <a:stretch>
             <a:fillRect/>
           </a:stretch>
         </p:blipFill>
         <p:spPr>
-          <a:xfrm flipH="false" flipV="false" rot="0">
+          <a:xfrm>
             <a:off x="17155612" y="235737"/>
             <a:ext cx="767779" cy="1495846"/>
           </a:xfrm>
@@ -5621,21 +5633,21 @@
       </p:pic>
       <p:pic>
         <p:nvPicPr>
-          <p:cNvPr name="Picture 9" id="9"/>
+          <p:cNvPr id="9" name="Picture 9"/>
           <p:cNvPicPr>
-            <a:picLocks noChangeAspect="true"/>
+            <a:picLocks noChangeAspect="1"/>
           </p:cNvPicPr>
           <p:nvPr/>
         </p:nvPicPr>
         <p:blipFill>
           <a:blip r:embed="rId5"/>
-          <a:srcRect l="0" t="0" r="0" b="0"/>
+          <a:srcRect/>
           <a:stretch>
             <a:fillRect/>
           </a:stretch>
         </p:blipFill>
         <p:spPr>
-          <a:xfrm flipH="false" flipV="false" rot="0">
+          <a:xfrm>
             <a:off x="10547457" y="1028700"/>
             <a:ext cx="1149590" cy="1215912"/>
           </a:xfrm>
@@ -5646,12 +5658,12 @@
       </p:pic>
       <p:sp>
         <p:nvSpPr>
-          <p:cNvPr name="TextBox 10" id="10"/>
-          <p:cNvSpPr txBox="true"/>
-          <p:nvPr/>
-        </p:nvSpPr>
-        <p:spPr>
-          <a:xfrm rot="0">
+          <p:cNvPr id="10" name="TextBox 10"/>
+          <p:cNvSpPr txBox="1"/>
+          <p:nvPr/>
+        </p:nvSpPr>
+        <p:spPr>
+          <a:xfrm>
             <a:off x="1754382" y="4410075"/>
             <a:ext cx="10137326" cy="1457325"/>
           </a:xfrm>
@@ -5660,7 +5672,7 @@
           </a:prstGeom>
         </p:spPr>
         <p:txBody>
-          <a:bodyPr anchor="t" rtlCol="false" tIns="0" lIns="0" bIns="0" rIns="0">
+          <a:bodyPr lIns="0" tIns="0" rIns="0" bIns="0" rtlCol="0" anchor="t">
             <a:spAutoFit/>
           </a:bodyPr>
           <a:lstStyle/>
@@ -5691,7 +5703,7 @@
 </file>
 
 <file path=ppt/slides/slide16.xml><?xml version="1.0" encoding="utf-8"?>
-<p:sld xmlns:p="http://schemas.openxmlformats.org/presentationml/2006/main" xmlns:a="http://schemas.openxmlformats.org/drawingml/2006/main" xmlns:r="http://schemas.openxmlformats.org/officeDocument/2006/relationships">
+<p:sld xmlns:a="http://schemas.openxmlformats.org/drawingml/2006/main" xmlns:r="http://schemas.openxmlformats.org/officeDocument/2006/relationships" xmlns:p="http://schemas.openxmlformats.org/presentationml/2006/main">
   <p:cSld>
     <p:bg>
       <p:bgPr>
@@ -5702,6 +5714,7 @@
             <a:fillRect/>
           </a:stretch>
         </a:blipFill>
+        <a:effectLst/>
       </p:bgPr>
     </p:bg>
     <p:spTree>
@@ -5720,12 +5733,12 @@
       </p:grpSpPr>
       <p:sp>
         <p:nvSpPr>
-          <p:cNvPr name="TextBox 2" id="2"/>
-          <p:cNvSpPr txBox="true"/>
-          <p:nvPr/>
-        </p:nvSpPr>
-        <p:spPr>
-          <a:xfrm rot="0">
+          <p:cNvPr id="2" name="TextBox 2"/>
+          <p:cNvSpPr txBox="1"/>
+          <p:nvPr/>
+        </p:nvSpPr>
+        <p:spPr>
+          <a:xfrm>
             <a:off x="1028700" y="420744"/>
             <a:ext cx="9518757" cy="1215912"/>
           </a:xfrm>
@@ -5734,7 +5747,7 @@
           </a:prstGeom>
         </p:spPr>
         <p:txBody>
-          <a:bodyPr anchor="t" rtlCol="false" tIns="0" lIns="0" bIns="0" rIns="0">
+          <a:bodyPr lIns="0" tIns="0" rIns="0" bIns="0" rtlCol="0" anchor="t">
             <a:spAutoFit/>
           </a:bodyPr>
           <a:lstStyle/>
@@ -5758,21 +5771,21 @@
       </p:sp>
       <p:pic>
         <p:nvPicPr>
-          <p:cNvPr name="Picture 3" id="3"/>
+          <p:cNvPr id="3" name="Picture 3"/>
           <p:cNvPicPr>
-            <a:picLocks noChangeAspect="true"/>
+            <a:picLocks noChangeAspect="1"/>
           </p:cNvPicPr>
           <p:nvPr/>
         </p:nvPicPr>
         <p:blipFill>
           <a:blip r:embed="rId3"/>
-          <a:srcRect l="0" t="0" r="0" b="0"/>
+          <a:srcRect/>
           <a:stretch>
             <a:fillRect/>
           </a:stretch>
         </p:blipFill>
         <p:spPr>
-          <a:xfrm flipH="false" flipV="false" rot="0">
+          <a:xfrm>
             <a:off x="16947899" y="4191636"/>
             <a:ext cx="3095939" cy="2879223"/>
           </a:xfrm>
@@ -5783,14 +5796,14 @@
       </p:pic>
       <p:grpSp>
         <p:nvGrpSpPr>
-          <p:cNvPr name="Group 4" id="4"/>
+          <p:cNvPr id="4" name="Group 4"/>
           <p:cNvGrpSpPr>
-            <a:grpSpLocks noChangeAspect="true"/>
+            <a:grpSpLocks noChangeAspect="1"/>
           </p:cNvGrpSpPr>
           <p:nvPr/>
         </p:nvGrpSpPr>
         <p:grpSpPr>
-          <a:xfrm rot="0">
+          <a:xfrm>
             <a:off x="16392750" y="9405226"/>
             <a:ext cx="700140" cy="700140"/>
             <a:chOff x="1371600" y="6705600"/>
@@ -5799,7 +5812,7 @@
         </p:grpSpPr>
         <p:sp>
           <p:nvSpPr>
-            <p:cNvPr name="Freeform 5" id="5"/>
+            <p:cNvPr id="5" name="Freeform 5"/>
             <p:cNvSpPr/>
             <p:nvPr/>
           </p:nvSpPr>
@@ -5813,9 +5826,9 @@
               <a:gdLst/>
               <a:ahLst/>
               <a:cxnLst/>
-              <a:rect r="r" b="b" t="t" l="l"/>
+              <a:rect l="l" t="t" r="r" b="b"/>
               <a:pathLst>
-                <a:path h="11514742" w="10990384">
+                <a:path w="10990384" h="11514742">
                   <a:moveTo>
                     <a:pt x="8792" y="5757371"/>
                   </a:moveTo>
@@ -5861,21 +5874,21 @@
       </p:grpSp>
       <p:pic>
         <p:nvPicPr>
-          <p:cNvPr name="Picture 6" id="6"/>
+          <p:cNvPr id="6" name="Picture 6"/>
           <p:cNvPicPr>
-            <a:picLocks noChangeAspect="true"/>
+            <a:picLocks noChangeAspect="1"/>
           </p:cNvPicPr>
           <p:nvPr/>
         </p:nvPicPr>
         <p:blipFill>
           <a:blip r:embed="rId4"/>
-          <a:srcRect l="0" t="0" r="0" b="0"/>
+          <a:srcRect/>
           <a:stretch>
             <a:fillRect/>
           </a:stretch>
         </p:blipFill>
         <p:spPr>
-          <a:xfrm flipH="false" flipV="false" rot="-10800000">
+          <a:xfrm rot="-10800000">
             <a:off x="16392750" y="7306510"/>
             <a:ext cx="1892551" cy="3379556"/>
           </a:xfrm>
@@ -5886,21 +5899,21 @@
       </p:pic>
       <p:pic>
         <p:nvPicPr>
-          <p:cNvPr name="Picture 7" id="7"/>
+          <p:cNvPr id="7" name="Picture 7"/>
           <p:cNvPicPr>
-            <a:picLocks noChangeAspect="true"/>
+            <a:picLocks noChangeAspect="1"/>
           </p:cNvPicPr>
           <p:nvPr/>
         </p:nvPicPr>
         <p:blipFill>
           <a:blip r:embed="rId3"/>
-          <a:srcRect l="0" t="0" r="0" b="0"/>
+          <a:srcRect/>
           <a:stretch>
             <a:fillRect/>
           </a:stretch>
         </p:blipFill>
         <p:spPr>
-          <a:xfrm flipH="false" flipV="false" rot="0">
+          <a:xfrm>
             <a:off x="14512558" y="8315684"/>
             <a:ext cx="3095939" cy="2879223"/>
           </a:xfrm>
@@ -5911,12 +5924,12 @@
       </p:pic>
       <p:grpSp>
         <p:nvGrpSpPr>
-          <p:cNvPr name="Group 8" id="8"/>
+          <p:cNvPr id="8" name="Group 8"/>
           <p:cNvGrpSpPr/>
           <p:nvPr/>
         </p:nvGrpSpPr>
         <p:grpSpPr>
-          <a:xfrm rot="0">
+          <a:xfrm>
             <a:off x="704850" y="7711052"/>
             <a:ext cx="4572571" cy="1974458"/>
             <a:chOff x="0" y="0"/>
@@ -5925,12 +5938,12 @@
         </p:grpSpPr>
         <p:sp>
           <p:nvSpPr>
-            <p:cNvPr name="TextBox 9" id="9"/>
-            <p:cNvSpPr txBox="true"/>
+            <p:cNvPr id="9" name="TextBox 9"/>
+            <p:cNvSpPr txBox="1"/>
             <p:nvPr/>
           </p:nvSpPr>
           <p:spPr>
-            <a:xfrm rot="0">
+            <a:xfrm>
               <a:off x="1351251" y="608306"/>
               <a:ext cx="4745510" cy="1454099"/>
             </a:xfrm>
@@ -5939,7 +5952,7 @@
             </a:prstGeom>
           </p:spPr>
           <p:txBody>
-            <a:bodyPr anchor="t" rtlCol="false" tIns="0" lIns="0" bIns="0" rIns="0">
+            <a:bodyPr lIns="0" tIns="0" rIns="0" bIns="0" rtlCol="0" anchor="t">
               <a:spAutoFit/>
             </a:bodyPr>
             <a:lstStyle/>
@@ -5963,21 +5976,21 @@
         </p:sp>
         <p:pic>
           <p:nvPicPr>
-            <p:cNvPr name="Picture 10" id="10"/>
+            <p:cNvPr id="10" name="Picture 10"/>
             <p:cNvPicPr>
-              <a:picLocks noChangeAspect="true"/>
+              <a:picLocks noChangeAspect="1"/>
             </p:cNvPicPr>
             <p:nvPr/>
           </p:nvPicPr>
           <p:blipFill>
             <a:blip r:embed="rId5"/>
-            <a:srcRect l="0" t="0" r="0" b="0"/>
+            <a:srcRect/>
             <a:stretch>
               <a:fillRect/>
             </a:stretch>
           </p:blipFill>
           <p:spPr>
-            <a:xfrm flipH="false" flipV="false" rot="0">
+            <a:xfrm>
               <a:off x="0" y="0"/>
               <a:ext cx="1351251" cy="2632610"/>
             </a:xfrm>
@@ -5989,21 +6002,21 @@
       </p:grpSp>
       <p:pic>
         <p:nvPicPr>
-          <p:cNvPr name="Picture 11" id="11"/>
+          <p:cNvPr id="11" name="Picture 11"/>
           <p:cNvPicPr>
-            <a:picLocks noChangeAspect="true"/>
+            <a:picLocks noChangeAspect="1"/>
           </p:cNvPicPr>
           <p:nvPr/>
         </p:nvPicPr>
         <p:blipFill>
           <a:blip r:embed="rId6"/>
-          <a:srcRect l="0" t="0" r="0" b="0"/>
+          <a:srcRect/>
           <a:stretch>
             <a:fillRect/>
           </a:stretch>
         </p:blipFill>
         <p:spPr>
-          <a:xfrm flipH="false" flipV="false" rot="0">
+          <a:xfrm>
             <a:off x="10547457" y="601652"/>
             <a:ext cx="1133969" cy="1035004"/>
           </a:xfrm>
@@ -6014,21 +6027,21 @@
       </p:pic>
       <p:pic>
         <p:nvPicPr>
-          <p:cNvPr name="Picture 12" id="12"/>
+          <p:cNvPr id="12" name="Picture 12"/>
           <p:cNvPicPr>
-            <a:picLocks noChangeAspect="true"/>
+            <a:picLocks noChangeAspect="1"/>
           </p:cNvPicPr>
           <p:nvPr/>
         </p:nvPicPr>
         <p:blipFill>
           <a:blip r:embed="rId7"/>
-          <a:srcRect l="0" t="0" r="0" b="0"/>
+          <a:srcRect/>
           <a:stretch>
             <a:fillRect/>
           </a:stretch>
         </p:blipFill>
         <p:spPr>
-          <a:xfrm flipH="false" flipV="false" rot="0">
+          <a:xfrm>
             <a:off x="6105495" y="7798011"/>
             <a:ext cx="4316232" cy="1607215"/>
           </a:xfrm>
@@ -6046,13 +6059,14 @@
 </file>
 
 <file path=ppt/slides/slide2.xml><?xml version="1.0" encoding="utf-8"?>
-<p:sld xmlns:p="http://schemas.openxmlformats.org/presentationml/2006/main" xmlns:a="http://schemas.openxmlformats.org/drawingml/2006/main" xmlns:r="http://schemas.openxmlformats.org/officeDocument/2006/relationships">
+<p:sld xmlns:a="http://schemas.openxmlformats.org/drawingml/2006/main" xmlns:r="http://schemas.openxmlformats.org/officeDocument/2006/relationships" xmlns:p="http://schemas.openxmlformats.org/presentationml/2006/main">
   <p:cSld>
     <p:bg>
       <p:bgPr>
         <a:solidFill>
           <a:srgbClr val="3B5998"/>
         </a:solidFill>
+        <a:effectLst/>
       </p:bgPr>
     </p:bg>
     <p:spTree>
@@ -6071,12 +6085,12 @@
       </p:grpSpPr>
       <p:sp>
         <p:nvSpPr>
-          <p:cNvPr name="AutoShape 2" id="2"/>
+          <p:cNvPr id="2" name="AutoShape 2"/>
           <p:cNvSpPr/>
           <p:nvPr/>
         </p:nvSpPr>
         <p:spPr>
-          <a:xfrm rot="0">
+          <a:xfrm>
             <a:off x="0" y="0"/>
             <a:ext cx="4729170" cy="10287000"/>
           </a:xfrm>
@@ -6090,21 +6104,21 @@
       </p:sp>
       <p:pic>
         <p:nvPicPr>
-          <p:cNvPr name="Picture 3" id="3"/>
+          <p:cNvPr id="3" name="Picture 3"/>
           <p:cNvPicPr>
-            <a:picLocks noChangeAspect="true"/>
+            <a:picLocks noChangeAspect="1"/>
           </p:cNvPicPr>
           <p:nvPr/>
         </p:nvPicPr>
         <p:blipFill>
           <a:blip r:embed="rId2"/>
-          <a:srcRect l="0" t="0" r="0" b="0"/>
+          <a:srcRect/>
           <a:stretch>
             <a:fillRect/>
           </a:stretch>
         </p:blipFill>
         <p:spPr>
-          <a:xfrm flipH="false" flipV="false" rot="-10800000">
+          <a:xfrm rot="-10800000">
             <a:off x="991650" y="1378770"/>
             <a:ext cx="3095939" cy="2879223"/>
           </a:xfrm>
@@ -6115,9 +6129,9 @@
       </p:pic>
       <p:grpSp>
         <p:nvGrpSpPr>
-          <p:cNvPr name="Group 4" id="4"/>
+          <p:cNvPr id="4" name="Group 4"/>
           <p:cNvGrpSpPr>
-            <a:grpSpLocks noChangeAspect="true"/>
+            <a:grpSpLocks noChangeAspect="1"/>
           </p:cNvGrpSpPr>
           <p:nvPr/>
         </p:nvGrpSpPr>
@@ -6131,7 +6145,7 @@
         </p:grpSpPr>
         <p:sp>
           <p:nvSpPr>
-            <p:cNvPr name="Freeform 5" id="5"/>
+            <p:cNvPr id="5" name="Freeform 5"/>
             <p:cNvSpPr/>
             <p:nvPr/>
           </p:nvSpPr>
@@ -6145,9 +6159,9 @@
               <a:gdLst/>
               <a:ahLst/>
               <a:cxnLst/>
-              <a:rect r="r" b="b" t="t" l="l"/>
+              <a:rect l="l" t="t" r="r" b="b"/>
               <a:pathLst>
-                <a:path h="11514742" w="10990384">
+                <a:path w="10990384" h="11514742">
                   <a:moveTo>
                     <a:pt x="8792" y="5757371"/>
                   </a:moveTo>
@@ -6193,21 +6207,21 @@
       </p:grpSp>
       <p:pic>
         <p:nvPicPr>
-          <p:cNvPr name="Picture 6" id="6"/>
+          <p:cNvPr id="6" name="Picture 6"/>
           <p:cNvPicPr>
-            <a:picLocks noChangeAspect="true"/>
+            <a:picLocks noChangeAspect="1"/>
           </p:cNvPicPr>
           <p:nvPr/>
         </p:nvPicPr>
         <p:blipFill>
           <a:blip r:embed="rId2"/>
-          <a:srcRect l="0" t="0" r="0" b="0"/>
+          <a:srcRect/>
           <a:stretch>
             <a:fillRect/>
           </a:stretch>
         </p:blipFill>
         <p:spPr>
-          <a:xfrm flipH="false" flipV="false" rot="-10800000">
+          <a:xfrm rot="-10800000">
             <a:off x="991650" y="4774804"/>
             <a:ext cx="3095939" cy="2879223"/>
           </a:xfrm>
@@ -6218,21 +6232,21 @@
       </p:pic>
       <p:pic>
         <p:nvPicPr>
-          <p:cNvPr name="Picture 7" id="7"/>
+          <p:cNvPr id="7" name="Picture 7"/>
           <p:cNvPicPr>
-            <a:picLocks noChangeAspect="true"/>
+            <a:picLocks noChangeAspect="1"/>
           </p:cNvPicPr>
           <p:nvPr/>
         </p:nvPicPr>
         <p:blipFill>
           <a:blip r:embed="rId3"/>
-          <a:srcRect l="0" t="0" r="0" b="0"/>
+          <a:srcRect/>
           <a:stretch>
             <a:fillRect/>
           </a:stretch>
         </p:blipFill>
         <p:spPr>
-          <a:xfrm flipH="false" flipV="false" rot="0">
+          <a:xfrm>
             <a:off x="2790961" y="6825913"/>
             <a:ext cx="1938209" cy="3461087"/>
           </a:xfrm>
@@ -6243,21 +6257,21 @@
       </p:pic>
       <p:pic>
         <p:nvPicPr>
-          <p:cNvPr name="Picture 8" id="8"/>
+          <p:cNvPr id="8" name="Picture 8"/>
           <p:cNvPicPr>
-            <a:picLocks noChangeAspect="true"/>
+            <a:picLocks noChangeAspect="1"/>
           </p:cNvPicPr>
           <p:nvPr/>
         </p:nvPicPr>
         <p:blipFill>
           <a:blip r:embed="rId4"/>
-          <a:srcRect l="0" t="0" r="0" b="0"/>
+          <a:srcRect/>
           <a:stretch>
             <a:fillRect/>
           </a:stretch>
         </p:blipFill>
         <p:spPr>
-          <a:xfrm flipH="false" flipV="false" rot="0">
+          <a:xfrm>
             <a:off x="203822" y="0"/>
             <a:ext cx="875517" cy="1705748"/>
           </a:xfrm>
@@ -6268,12 +6282,12 @@
       </p:pic>
       <p:sp>
         <p:nvSpPr>
-          <p:cNvPr name="TextBox 9" id="9"/>
-          <p:cNvSpPr txBox="true"/>
-          <p:nvPr/>
-        </p:nvSpPr>
-        <p:spPr>
-          <a:xfrm rot="0">
+          <p:cNvPr id="9" name="TextBox 9"/>
+          <p:cNvSpPr txBox="1"/>
+          <p:nvPr/>
+        </p:nvSpPr>
+        <p:spPr>
+          <a:xfrm>
             <a:off x="6782281" y="1028700"/>
             <a:ext cx="10477019" cy="1215912"/>
           </a:xfrm>
@@ -6282,7 +6296,7 @@
           </a:prstGeom>
         </p:spPr>
         <p:txBody>
-          <a:bodyPr anchor="t" rtlCol="false" tIns="0" lIns="0" bIns="0" rIns="0">
+          <a:bodyPr lIns="0" tIns="0" rIns="0" bIns="0" rtlCol="0" anchor="t">
             <a:spAutoFit/>
           </a:bodyPr>
           <a:lstStyle/>
@@ -6306,12 +6320,12 @@
       </p:sp>
       <p:sp>
         <p:nvSpPr>
-          <p:cNvPr name="TextBox 10" id="10"/>
-          <p:cNvSpPr txBox="true"/>
-          <p:nvPr/>
-        </p:nvSpPr>
-        <p:spPr>
-          <a:xfrm rot="0">
+          <p:cNvPr id="10" name="TextBox 10"/>
+          <p:cNvSpPr txBox="1"/>
+          <p:nvPr/>
+        </p:nvSpPr>
+        <p:spPr>
+          <a:xfrm>
             <a:off x="8803005" y="2911362"/>
             <a:ext cx="8456295" cy="995680"/>
           </a:xfrm>
@@ -6320,7 +6334,7 @@
           </a:prstGeom>
         </p:spPr>
         <p:txBody>
-          <a:bodyPr anchor="t" rtlCol="false" tIns="0" lIns="0" bIns="0" rIns="0">
+          <a:bodyPr lIns="0" tIns="0" rIns="0" bIns="0" rtlCol="0" anchor="t">
             <a:spAutoFit/>
           </a:bodyPr>
           <a:lstStyle/>
@@ -6340,28 +6354,19 @@
                 </a:solidFill>
                 <a:latin typeface="Roboto"/>
               </a:rPr>
-              <a:t>Monitoramento de máquinas em fastfoods</a:t>
-            </a:r>
-            <a:r>
-              <a:rPr lang="en-US" sz="2800">
-                <a:solidFill>
-                  <a:srgbClr val="FFFFFF"/>
-                </a:solidFill>
-                <a:latin typeface="Roboto"/>
-              </a:rPr>
-              <a:t>, com relatórios diários e teste de estresse de máquinas.</a:t>
-            </a:r>
-          </a:p>
-        </p:txBody>
-      </p:sp>
-      <p:sp>
-        <p:nvSpPr>
-          <p:cNvPr name="TextBox 11" id="11"/>
-          <p:cNvSpPr txBox="true"/>
-          <p:nvPr/>
-        </p:nvSpPr>
-        <p:spPr>
-          <a:xfrm rot="0">
+              <a:t>Monitoramento de máquinas em fastfoods, com relatórios diários e teste de estresse de máquinas.</a:t>
+            </a:r>
+          </a:p>
+        </p:txBody>
+      </p:sp>
+      <p:sp>
+        <p:nvSpPr>
+          <p:cNvPr id="11" name="TextBox 11"/>
+          <p:cNvSpPr txBox="1"/>
+          <p:nvPr/>
+        </p:nvSpPr>
+        <p:spPr>
+          <a:xfrm>
             <a:off x="11798462" y="5537239"/>
             <a:ext cx="5460838" cy="500380"/>
           </a:xfrm>
@@ -6370,7 +6375,7 @@
           </a:prstGeom>
         </p:spPr>
         <p:txBody>
-          <a:bodyPr anchor="t" rtlCol="false" tIns="0" lIns="0" bIns="0" rIns="0">
+          <a:bodyPr lIns="0" tIns="0" rIns="0" bIns="0" rtlCol="0" anchor="t">
             <a:spAutoFit/>
           </a:bodyPr>
           <a:lstStyle/>
@@ -6397,12 +6402,12 @@
       </p:sp>
       <p:sp>
         <p:nvSpPr>
-          <p:cNvPr name="TextBox 12" id="12"/>
-          <p:cNvSpPr txBox="true"/>
-          <p:nvPr/>
-        </p:nvSpPr>
-        <p:spPr>
-          <a:xfrm rot="0">
+          <p:cNvPr id="12" name="TextBox 12"/>
+          <p:cNvSpPr txBox="1"/>
+          <p:nvPr/>
+        </p:nvSpPr>
+        <p:spPr>
+          <a:xfrm>
             <a:off x="11798462" y="7035722"/>
             <a:ext cx="5460838" cy="500380"/>
           </a:xfrm>
@@ -6411,7 +6416,7 @@
           </a:prstGeom>
         </p:spPr>
         <p:txBody>
-          <a:bodyPr anchor="t" rtlCol="false" tIns="0" lIns="0" bIns="0" rIns="0">
+          <a:bodyPr lIns="0" tIns="0" rIns="0" bIns="0" rtlCol="0" anchor="t">
             <a:spAutoFit/>
           </a:bodyPr>
           <a:lstStyle/>
@@ -6438,21 +6443,21 @@
       </p:sp>
       <p:pic>
         <p:nvPicPr>
-          <p:cNvPr name="Picture 13" id="13"/>
+          <p:cNvPr id="13" name="Picture 13"/>
           <p:cNvPicPr>
-            <a:picLocks noChangeAspect="true"/>
+            <a:picLocks noChangeAspect="1"/>
           </p:cNvPicPr>
           <p:nvPr/>
         </p:nvPicPr>
         <p:blipFill>
           <a:blip r:embed="rId5"/>
-          <a:srcRect l="0" t="0" r="0" b="0"/>
+          <a:srcRect/>
           <a:stretch>
             <a:fillRect/>
           </a:stretch>
         </p:blipFill>
         <p:spPr>
-          <a:xfrm flipH="false" flipV="false" rot="0">
+          <a:xfrm>
             <a:off x="6782281" y="1249637"/>
             <a:ext cx="1248448" cy="774038"/>
           </a:xfrm>
@@ -6470,13 +6475,14 @@
 </file>
 
 <file path=ppt/slides/slide3.xml><?xml version="1.0" encoding="utf-8"?>
-<p:sld xmlns:p="http://schemas.openxmlformats.org/presentationml/2006/main" xmlns:a="http://schemas.openxmlformats.org/drawingml/2006/main" xmlns:r="http://schemas.openxmlformats.org/officeDocument/2006/relationships">
+<p:sld xmlns:a="http://schemas.openxmlformats.org/drawingml/2006/main" xmlns:r="http://schemas.openxmlformats.org/officeDocument/2006/relationships" xmlns:p="http://schemas.openxmlformats.org/presentationml/2006/main">
   <p:cSld>
     <p:bg>
       <p:bgPr>
         <a:solidFill>
           <a:srgbClr val="3B5998"/>
         </a:solidFill>
+        <a:effectLst/>
       </p:bgPr>
     </p:bg>
     <p:spTree>
@@ -6495,12 +6501,12 @@
       </p:grpSpPr>
       <p:sp>
         <p:nvSpPr>
-          <p:cNvPr name="AutoShape 2" id="2"/>
+          <p:cNvPr id="2" name="AutoShape 2"/>
           <p:cNvSpPr/>
           <p:nvPr/>
         </p:nvSpPr>
         <p:spPr>
-          <a:xfrm rot="0">
+          <a:xfrm>
             <a:off x="0" y="0"/>
             <a:ext cx="4729170" cy="10287000"/>
           </a:xfrm>
@@ -6514,21 +6520,21 @@
       </p:sp>
       <p:pic>
         <p:nvPicPr>
-          <p:cNvPr name="Picture 3" id="3"/>
+          <p:cNvPr id="3" name="Picture 3"/>
           <p:cNvPicPr>
-            <a:picLocks noChangeAspect="true"/>
+            <a:picLocks noChangeAspect="1"/>
           </p:cNvPicPr>
           <p:nvPr/>
         </p:nvPicPr>
         <p:blipFill>
           <a:blip r:embed="rId2"/>
-          <a:srcRect l="0" t="0" r="0" b="0"/>
+          <a:srcRect/>
           <a:stretch>
             <a:fillRect/>
           </a:stretch>
         </p:blipFill>
         <p:spPr>
-          <a:xfrm flipH="false" flipV="false" rot="-10800000">
+          <a:xfrm rot="-10800000">
             <a:off x="991650" y="4774804"/>
             <a:ext cx="3095939" cy="2879223"/>
           </a:xfrm>
@@ -6539,21 +6545,21 @@
       </p:pic>
       <p:pic>
         <p:nvPicPr>
-          <p:cNvPr name="Picture 4" id="4"/>
+          <p:cNvPr id="4" name="Picture 4"/>
           <p:cNvPicPr>
-            <a:picLocks noChangeAspect="true"/>
+            <a:picLocks noChangeAspect="1"/>
           </p:cNvPicPr>
           <p:nvPr/>
         </p:nvPicPr>
         <p:blipFill>
           <a:blip r:embed="rId3"/>
-          <a:srcRect l="0" t="0" r="0" b="0"/>
+          <a:srcRect/>
           <a:stretch>
             <a:fillRect/>
           </a:stretch>
         </p:blipFill>
         <p:spPr>
-          <a:xfrm flipH="false" flipV="false" rot="0">
+          <a:xfrm>
             <a:off x="2790961" y="6825913"/>
             <a:ext cx="1938209" cy="3461087"/>
           </a:xfrm>
@@ -6564,21 +6570,21 @@
       </p:pic>
       <p:pic>
         <p:nvPicPr>
-          <p:cNvPr name="Picture 5" id="5"/>
+          <p:cNvPr id="5" name="Picture 5"/>
           <p:cNvPicPr>
-            <a:picLocks noChangeAspect="true"/>
+            <a:picLocks noChangeAspect="1"/>
           </p:cNvPicPr>
           <p:nvPr/>
         </p:nvPicPr>
         <p:blipFill>
           <a:blip r:embed="rId4"/>
-          <a:srcRect l="0" t="0" r="0" b="0"/>
+          <a:srcRect/>
           <a:stretch>
             <a:fillRect/>
           </a:stretch>
         </p:blipFill>
         <p:spPr>
-          <a:xfrm flipH="false" flipV="false" rot="0">
+          <a:xfrm>
             <a:off x="203822" y="0"/>
             <a:ext cx="875517" cy="1705748"/>
           </a:xfrm>
@@ -6589,21 +6595,21 @@
       </p:pic>
       <p:pic>
         <p:nvPicPr>
-          <p:cNvPr name="Picture 6" id="6"/>
+          <p:cNvPr id="6" name="Picture 6"/>
           <p:cNvPicPr>
-            <a:picLocks noChangeAspect="true"/>
+            <a:picLocks noChangeAspect="1"/>
           </p:cNvPicPr>
           <p:nvPr/>
         </p:nvPicPr>
         <p:blipFill>
           <a:blip r:embed="rId5"/>
-          <a:srcRect l="0" t="0" r="64" b="0"/>
+          <a:srcRect r="64"/>
           <a:stretch>
             <a:fillRect/>
           </a:stretch>
         </p:blipFill>
         <p:spPr>
-          <a:xfrm flipH="false" flipV="false" rot="0">
+          <a:xfrm>
             <a:off x="2995115" y="226185"/>
             <a:ext cx="12297771" cy="9834629"/>
           </a:xfrm>
@@ -6621,13 +6627,14 @@
 </file>
 
 <file path=ppt/slides/slide4.xml><?xml version="1.0" encoding="utf-8"?>
-<p:sld xmlns:p="http://schemas.openxmlformats.org/presentationml/2006/main" xmlns:a="http://schemas.openxmlformats.org/drawingml/2006/main" xmlns:r="http://schemas.openxmlformats.org/officeDocument/2006/relationships">
+<p:sld xmlns:a="http://schemas.openxmlformats.org/drawingml/2006/main" xmlns:r="http://schemas.openxmlformats.org/officeDocument/2006/relationships" xmlns:p="http://schemas.openxmlformats.org/presentationml/2006/main">
   <p:cSld>
     <p:bg>
       <p:bgPr>
         <a:solidFill>
           <a:srgbClr val="3B5998"/>
         </a:solidFill>
+        <a:effectLst/>
       </p:bgPr>
     </p:bg>
     <p:spTree>
@@ -6646,12 +6653,12 @@
       </p:grpSpPr>
       <p:sp>
         <p:nvSpPr>
-          <p:cNvPr name="TextBox 2" id="2"/>
-          <p:cNvSpPr txBox="true"/>
-          <p:nvPr/>
-        </p:nvSpPr>
-        <p:spPr>
-          <a:xfrm rot="0">
+          <p:cNvPr id="2" name="TextBox 2"/>
+          <p:cNvSpPr txBox="1"/>
+          <p:nvPr/>
+        </p:nvSpPr>
+        <p:spPr>
+          <a:xfrm>
             <a:off x="1028700" y="1573526"/>
             <a:ext cx="10477019" cy="1215912"/>
           </a:xfrm>
@@ -6660,7 +6667,7 @@
           </a:prstGeom>
         </p:spPr>
         <p:txBody>
-          <a:bodyPr anchor="t" rtlCol="false" tIns="0" lIns="0" bIns="0" rIns="0">
+          <a:bodyPr lIns="0" tIns="0" rIns="0" bIns="0" rtlCol="0" anchor="t">
             <a:spAutoFit/>
           </a:bodyPr>
           <a:lstStyle/>
@@ -6684,12 +6691,12 @@
       </p:sp>
       <p:sp>
         <p:nvSpPr>
-          <p:cNvPr name="AutoShape 3" id="3"/>
+          <p:cNvPr id="3" name="AutoShape 3"/>
           <p:cNvSpPr/>
           <p:nvPr/>
         </p:nvSpPr>
         <p:spPr>
-          <a:xfrm rot="0">
+          <a:xfrm>
             <a:off x="13558830" y="0"/>
             <a:ext cx="4729170" cy="10287000"/>
           </a:xfrm>
@@ -6703,21 +6710,21 @@
       </p:sp>
       <p:pic>
         <p:nvPicPr>
-          <p:cNvPr name="Picture 4" id="4"/>
+          <p:cNvPr id="4" name="Picture 4"/>
           <p:cNvPicPr>
-            <a:picLocks noChangeAspect="true"/>
+            <a:picLocks noChangeAspect="1"/>
           </p:cNvPicPr>
           <p:nvPr/>
         </p:nvPicPr>
         <p:blipFill>
           <a:blip r:embed="rId2"/>
-          <a:srcRect l="0" t="0" r="0" b="0"/>
+          <a:srcRect/>
           <a:stretch>
             <a:fillRect/>
           </a:stretch>
         </p:blipFill>
         <p:spPr>
-          <a:xfrm flipH="false" flipV="false" rot="-10800000">
+          <a:xfrm rot="-10800000">
             <a:off x="14493330" y="1378770"/>
             <a:ext cx="3095939" cy="2879223"/>
           </a:xfrm>
@@ -6728,9 +6735,9 @@
       </p:pic>
       <p:grpSp>
         <p:nvGrpSpPr>
-          <p:cNvPr name="Group 5" id="5"/>
+          <p:cNvPr id="5" name="Group 5"/>
           <p:cNvGrpSpPr>
-            <a:grpSpLocks noChangeAspect="true"/>
+            <a:grpSpLocks noChangeAspect="1"/>
           </p:cNvGrpSpPr>
           <p:nvPr/>
         </p:nvGrpSpPr>
@@ -6744,7 +6751,7 @@
         </p:grpSpPr>
         <p:sp>
           <p:nvSpPr>
-            <p:cNvPr name="Freeform 6" id="6"/>
+            <p:cNvPr id="6" name="Freeform 6"/>
             <p:cNvSpPr/>
             <p:nvPr/>
           </p:nvSpPr>
@@ -6758,9 +6765,9 @@
               <a:gdLst/>
               <a:ahLst/>
               <a:cxnLst/>
-              <a:rect r="r" b="b" t="t" l="l"/>
+              <a:rect l="l" t="t" r="r" b="b"/>
               <a:pathLst>
-                <a:path h="11514742" w="10990384">
+                <a:path w="10990384" h="11514742">
                   <a:moveTo>
                     <a:pt x="8792" y="5757371"/>
                   </a:moveTo>
@@ -6806,21 +6813,21 @@
       </p:grpSp>
       <p:pic>
         <p:nvPicPr>
-          <p:cNvPr name="Picture 7" id="7"/>
+          <p:cNvPr id="7" name="Picture 7"/>
           <p:cNvPicPr>
-            <a:picLocks noChangeAspect="true"/>
+            <a:picLocks noChangeAspect="1"/>
           </p:cNvPicPr>
           <p:nvPr/>
         </p:nvPicPr>
         <p:blipFill>
           <a:blip r:embed="rId2"/>
-          <a:srcRect l="0" t="0" r="0" b="0"/>
+          <a:srcRect/>
           <a:stretch>
             <a:fillRect/>
           </a:stretch>
         </p:blipFill>
         <p:spPr>
-          <a:xfrm flipH="false" flipV="false" rot="-10800000">
+          <a:xfrm rot="-10800000">
             <a:off x="14493330" y="4774804"/>
             <a:ext cx="3095939" cy="2879223"/>
           </a:xfrm>
@@ -6831,21 +6838,21 @@
       </p:pic>
       <p:pic>
         <p:nvPicPr>
-          <p:cNvPr name="Picture 8" id="8"/>
+          <p:cNvPr id="8" name="Picture 8"/>
           <p:cNvPicPr>
-            <a:picLocks noChangeAspect="true"/>
+            <a:picLocks noChangeAspect="1"/>
           </p:cNvPicPr>
           <p:nvPr/>
         </p:nvPicPr>
         <p:blipFill>
           <a:blip r:embed="rId3"/>
-          <a:srcRect l="0" t="0" r="0" b="0"/>
+          <a:srcRect/>
           <a:stretch>
             <a:fillRect/>
           </a:stretch>
         </p:blipFill>
         <p:spPr>
-          <a:xfrm flipH="false" flipV="false" rot="0">
+          <a:xfrm>
             <a:off x="16349791" y="6825913"/>
             <a:ext cx="1938209" cy="3461087"/>
           </a:xfrm>
@@ -6856,21 +6863,21 @@
       </p:pic>
       <p:pic>
         <p:nvPicPr>
-          <p:cNvPr name="Picture 9" id="9"/>
+          <p:cNvPr id="9" name="Picture 9"/>
           <p:cNvPicPr>
-            <a:picLocks noChangeAspect="true"/>
+            <a:picLocks noChangeAspect="1"/>
           </p:cNvPicPr>
           <p:nvPr/>
         </p:nvPicPr>
         <p:blipFill>
           <a:blip r:embed="rId4"/>
-          <a:srcRect l="0" t="0" r="0" b="0"/>
+          <a:srcRect/>
           <a:stretch>
             <a:fillRect/>
           </a:stretch>
         </p:blipFill>
         <p:spPr>
-          <a:xfrm flipH="false" flipV="false" rot="0">
+          <a:xfrm>
             <a:off x="17318896" y="23092"/>
             <a:ext cx="875517" cy="1705748"/>
           </a:xfrm>
@@ -6881,12 +6888,12 @@
       </p:pic>
       <p:sp>
         <p:nvSpPr>
-          <p:cNvPr name="TextBox 10" id="10"/>
-          <p:cNvSpPr txBox="true"/>
-          <p:nvPr/>
-        </p:nvSpPr>
-        <p:spPr>
-          <a:xfrm rot="0">
+          <p:cNvPr id="10" name="TextBox 10"/>
+          <p:cNvSpPr txBox="1"/>
+          <p:nvPr/>
+        </p:nvSpPr>
+        <p:spPr>
+          <a:xfrm>
             <a:off x="1028700" y="6679769"/>
             <a:ext cx="10753978" cy="416340"/>
           </a:xfrm>
@@ -6895,7 +6902,7 @@
           </a:prstGeom>
         </p:spPr>
         <p:txBody>
-          <a:bodyPr anchor="t" rtlCol="false" tIns="0" lIns="0" bIns="0" rIns="0">
+          <a:bodyPr lIns="0" tIns="0" rIns="0" bIns="0" rtlCol="0" anchor="t">
             <a:spAutoFit/>
           </a:bodyPr>
           <a:lstStyle/>
@@ -6922,12 +6929,12 @@
       </p:sp>
       <p:sp>
         <p:nvSpPr>
-          <p:cNvPr name="TextBox 11" id="11"/>
-          <p:cNvSpPr txBox="true"/>
-          <p:nvPr/>
-        </p:nvSpPr>
-        <p:spPr>
-          <a:xfrm rot="0">
+          <p:cNvPr id="11" name="TextBox 11"/>
+          <p:cNvSpPr txBox="1"/>
+          <p:nvPr/>
+        </p:nvSpPr>
+        <p:spPr>
+          <a:xfrm>
             <a:off x="1028700" y="7425121"/>
             <a:ext cx="10753978" cy="1288353"/>
           </a:xfrm>
@@ -6936,7 +6943,7 @@
           </a:prstGeom>
         </p:spPr>
         <p:txBody>
-          <a:bodyPr anchor="t" rtlCol="false" tIns="0" lIns="0" bIns="0" rIns="0">
+          <a:bodyPr lIns="0" tIns="0" rIns="0" bIns="0" rtlCol="0" anchor="t">
             <a:spAutoFit/>
           </a:bodyPr>
           <a:lstStyle/>
@@ -6963,12 +6970,12 @@
       </p:sp>
       <p:sp>
         <p:nvSpPr>
-          <p:cNvPr name="TextBox 12" id="12"/>
-          <p:cNvSpPr txBox="true"/>
-          <p:nvPr/>
-        </p:nvSpPr>
-        <p:spPr>
-          <a:xfrm rot="0">
+          <p:cNvPr id="12" name="TextBox 12"/>
+          <p:cNvSpPr txBox="1"/>
+          <p:nvPr/>
+        </p:nvSpPr>
+        <p:spPr>
+          <a:xfrm>
             <a:off x="1028700" y="3469676"/>
             <a:ext cx="4902753" cy="416340"/>
           </a:xfrm>
@@ -6977,7 +6984,7 @@
           </a:prstGeom>
         </p:spPr>
         <p:txBody>
-          <a:bodyPr anchor="t" rtlCol="false" tIns="0" lIns="0" bIns="0" rIns="0">
+          <a:bodyPr lIns="0" tIns="0" rIns="0" bIns="0" rtlCol="0" anchor="t">
             <a:spAutoFit/>
           </a:bodyPr>
           <a:lstStyle/>
@@ -7004,12 +7011,12 @@
       </p:sp>
       <p:sp>
         <p:nvSpPr>
-          <p:cNvPr name="TextBox 13" id="13"/>
-          <p:cNvSpPr txBox="true"/>
-          <p:nvPr/>
-        </p:nvSpPr>
-        <p:spPr>
-          <a:xfrm rot="0">
+          <p:cNvPr id="13" name="TextBox 13"/>
+          <p:cNvSpPr txBox="1"/>
+          <p:nvPr/>
+        </p:nvSpPr>
+        <p:spPr>
+          <a:xfrm>
             <a:off x="1028700" y="4215028"/>
             <a:ext cx="4902753" cy="1719597"/>
           </a:xfrm>
@@ -7018,7 +7025,7 @@
           </a:prstGeom>
         </p:spPr>
         <p:txBody>
-          <a:bodyPr anchor="t" rtlCol="false" tIns="0" lIns="0" bIns="0" rIns="0">
+          <a:bodyPr lIns="0" tIns="0" rIns="0" bIns="0" rtlCol="0" anchor="t">
             <a:spAutoFit/>
           </a:bodyPr>
           <a:lstStyle/>
@@ -7045,12 +7052,12 @@
       </p:sp>
       <p:sp>
         <p:nvSpPr>
-          <p:cNvPr name="TextBox 14" id="14"/>
-          <p:cNvSpPr txBox="true"/>
-          <p:nvPr/>
-        </p:nvSpPr>
-        <p:spPr>
-          <a:xfrm rot="0">
+          <p:cNvPr id="14" name="TextBox 14"/>
+          <p:cNvSpPr txBox="1"/>
+          <p:nvPr/>
+        </p:nvSpPr>
+        <p:spPr>
+          <a:xfrm>
             <a:off x="6879925" y="3059261"/>
             <a:ext cx="4902753" cy="416340"/>
           </a:xfrm>
@@ -7059,7 +7066,7 @@
           </a:prstGeom>
         </p:spPr>
         <p:txBody>
-          <a:bodyPr anchor="t" rtlCol="false" tIns="0" lIns="0" bIns="0" rIns="0">
+          <a:bodyPr lIns="0" tIns="0" rIns="0" bIns="0" rtlCol="0" anchor="t">
             <a:spAutoFit/>
           </a:bodyPr>
           <a:lstStyle/>
@@ -7086,12 +7093,12 @@
       </p:sp>
       <p:sp>
         <p:nvSpPr>
-          <p:cNvPr name="TextBox 15" id="15"/>
-          <p:cNvSpPr txBox="true"/>
-          <p:nvPr/>
-        </p:nvSpPr>
-        <p:spPr>
-          <a:xfrm rot="0">
+          <p:cNvPr id="15" name="TextBox 15"/>
+          <p:cNvSpPr txBox="1"/>
+          <p:nvPr/>
+        </p:nvSpPr>
+        <p:spPr>
+          <a:xfrm>
             <a:off x="6879925" y="3804613"/>
             <a:ext cx="4902753" cy="2150841"/>
           </a:xfrm>
@@ -7100,7 +7107,7 @@
           </a:prstGeom>
         </p:spPr>
         <p:txBody>
-          <a:bodyPr anchor="t" rtlCol="false" tIns="0" lIns="0" bIns="0" rIns="0">
+          <a:bodyPr lIns="0" tIns="0" rIns="0" bIns="0" rtlCol="0" anchor="t">
             <a:spAutoFit/>
           </a:bodyPr>
           <a:lstStyle/>
@@ -7127,21 +7134,21 @@
       </p:sp>
       <p:pic>
         <p:nvPicPr>
-          <p:cNvPr name="Picture 16" id="16"/>
+          <p:cNvPr id="16" name="Picture 16"/>
           <p:cNvPicPr>
-            <a:picLocks noChangeAspect="true"/>
+            <a:picLocks noChangeAspect="1"/>
           </p:cNvPicPr>
           <p:nvPr/>
         </p:nvPicPr>
         <p:blipFill>
           <a:blip r:embed="rId5"/>
-          <a:srcRect l="0" t="0" r="0" b="0"/>
+          <a:srcRect/>
           <a:stretch>
             <a:fillRect/>
           </a:stretch>
         </p:blipFill>
         <p:spPr>
-          <a:xfrm flipH="false" flipV="false" rot="0">
+          <a:xfrm>
             <a:off x="12169733" y="1644810"/>
             <a:ext cx="942592" cy="1073345"/>
           </a:xfrm>
@@ -7159,13 +7166,14 @@
 </file>
 
 <file path=ppt/slides/slide5.xml><?xml version="1.0" encoding="utf-8"?>
-<p:sld xmlns:p="http://schemas.openxmlformats.org/presentationml/2006/main" xmlns:a="http://schemas.openxmlformats.org/drawingml/2006/main" xmlns:r="http://schemas.openxmlformats.org/officeDocument/2006/relationships">
+<p:sld xmlns:a="http://schemas.openxmlformats.org/drawingml/2006/main" xmlns:r="http://schemas.openxmlformats.org/officeDocument/2006/relationships" xmlns:p="http://schemas.openxmlformats.org/presentationml/2006/main">
   <p:cSld>
     <p:bg>
       <p:bgPr>
         <a:solidFill>
           <a:srgbClr val="3B5998"/>
         </a:solidFill>
+        <a:effectLst/>
       </p:bgPr>
     </p:bg>
     <p:spTree>
@@ -7184,21 +7192,21 @@
       </p:grpSpPr>
       <p:pic>
         <p:nvPicPr>
-          <p:cNvPr name="Picture 2" id="2"/>
+          <p:cNvPr id="2" name="Picture 2"/>
           <p:cNvPicPr>
-            <a:picLocks noChangeAspect="true"/>
+            <a:picLocks noChangeAspect="1"/>
           </p:cNvPicPr>
           <p:nvPr/>
         </p:nvPicPr>
         <p:blipFill>
           <a:blip r:embed="rId2"/>
-          <a:srcRect l="0" t="0" r="0" b="0"/>
+          <a:srcRect/>
           <a:stretch>
             <a:fillRect/>
           </a:stretch>
         </p:blipFill>
         <p:spPr>
-          <a:xfrm flipH="false" flipV="false" rot="0">
+          <a:xfrm>
             <a:off x="0" y="6825913"/>
             <a:ext cx="1938209" cy="3461087"/>
           </a:xfrm>
@@ -7209,21 +7217,21 @@
       </p:pic>
       <p:pic>
         <p:nvPicPr>
-          <p:cNvPr name="Picture 3" id="3"/>
+          <p:cNvPr id="3" name="Picture 3"/>
           <p:cNvPicPr>
-            <a:picLocks noChangeAspect="true"/>
+            <a:picLocks noChangeAspect="1"/>
           </p:cNvPicPr>
           <p:nvPr/>
         </p:nvPicPr>
         <p:blipFill>
           <a:blip r:embed="rId3"/>
-          <a:srcRect l="0" t="0" r="0" b="0"/>
+          <a:srcRect/>
           <a:stretch>
             <a:fillRect/>
           </a:stretch>
         </p:blipFill>
         <p:spPr>
-          <a:xfrm flipH="false" flipV="false" rot="-10800000">
+          <a:xfrm rot="-10800000">
             <a:off x="15857790" y="7407777"/>
             <a:ext cx="3095939" cy="2879223"/>
           </a:xfrm>
@@ -7234,9 +7242,9 @@
       </p:pic>
       <p:grpSp>
         <p:nvGrpSpPr>
-          <p:cNvPr name="Group 4" id="4"/>
+          <p:cNvPr id="4" name="Group 4"/>
           <p:cNvGrpSpPr>
-            <a:grpSpLocks noChangeAspect="true"/>
+            <a:grpSpLocks noChangeAspect="1"/>
           </p:cNvGrpSpPr>
           <p:nvPr/>
         </p:nvGrpSpPr>
@@ -7250,7 +7258,7 @@
         </p:grpSpPr>
         <p:sp>
           <p:nvSpPr>
-            <p:cNvPr name="Freeform 5" id="5"/>
+            <p:cNvPr id="5" name="Freeform 5"/>
             <p:cNvSpPr/>
             <p:nvPr/>
           </p:nvSpPr>
@@ -7264,9 +7272,9 @@
               <a:gdLst/>
               <a:ahLst/>
               <a:cxnLst/>
-              <a:rect r="r" b="b" t="t" l="l"/>
+              <a:rect l="l" t="t" r="r" b="b"/>
               <a:pathLst>
-                <a:path h="11514742" w="10990384">
+                <a:path w="10990384" h="11514742">
                   <a:moveTo>
                     <a:pt x="8792" y="5757371"/>
                   </a:moveTo>
@@ -7312,12 +7320,12 @@
       </p:grpSp>
       <p:sp>
         <p:nvSpPr>
-          <p:cNvPr name="TextBox 6" id="6"/>
-          <p:cNvSpPr txBox="true"/>
-          <p:nvPr/>
-        </p:nvSpPr>
-        <p:spPr>
-          <a:xfrm rot="0">
+          <p:cNvPr id="6" name="TextBox 6"/>
+          <p:cNvSpPr txBox="1"/>
+          <p:nvPr/>
+        </p:nvSpPr>
+        <p:spPr>
+          <a:xfrm>
             <a:off x="969104" y="420744"/>
             <a:ext cx="10477019" cy="1215912"/>
           </a:xfrm>
@@ -7326,7 +7334,7 @@
           </a:prstGeom>
         </p:spPr>
         <p:txBody>
-          <a:bodyPr anchor="t" rtlCol="false" tIns="0" lIns="0" bIns="0" rIns="0">
+          <a:bodyPr lIns="0" tIns="0" rIns="0" bIns="0" rtlCol="0" anchor="t">
             <a:spAutoFit/>
           </a:bodyPr>
           <a:lstStyle/>
@@ -7350,12 +7358,12 @@
       </p:sp>
       <p:sp>
         <p:nvSpPr>
-          <p:cNvPr name="TextBox 7" id="7"/>
-          <p:cNvSpPr txBox="true"/>
-          <p:nvPr/>
-        </p:nvSpPr>
-        <p:spPr>
-          <a:xfrm rot="0">
+          <p:cNvPr id="7" name="TextBox 7"/>
+          <p:cNvSpPr txBox="1"/>
+          <p:nvPr/>
+        </p:nvSpPr>
+        <p:spPr>
+          <a:xfrm>
             <a:off x="2585909" y="2551220"/>
             <a:ext cx="2208292" cy="860528"/>
           </a:xfrm>
@@ -7364,7 +7372,7 @@
           </a:prstGeom>
         </p:spPr>
         <p:txBody>
-          <a:bodyPr anchor="t" rtlCol="false" tIns="0" lIns="0" bIns="0" rIns="0">
+          <a:bodyPr lIns="0" tIns="0" rIns="0" bIns="0" rtlCol="0" anchor="t">
             <a:spAutoFit/>
           </a:bodyPr>
           <a:lstStyle/>
@@ -7388,12 +7396,12 @@
       </p:sp>
       <p:sp>
         <p:nvSpPr>
-          <p:cNvPr name="TextBox 8" id="8"/>
-          <p:cNvSpPr txBox="true"/>
-          <p:nvPr/>
-        </p:nvSpPr>
-        <p:spPr>
-          <a:xfrm rot="0">
+          <p:cNvPr id="8" name="TextBox 8"/>
+          <p:cNvSpPr txBox="1"/>
+          <p:nvPr/>
+        </p:nvSpPr>
+        <p:spPr>
+          <a:xfrm>
             <a:off x="2585909" y="4066059"/>
             <a:ext cx="5770642" cy="860528"/>
           </a:xfrm>
@@ -7402,7 +7410,7 @@
           </a:prstGeom>
         </p:spPr>
         <p:txBody>
-          <a:bodyPr anchor="t" rtlCol="false" tIns="0" lIns="0" bIns="0" rIns="0">
+          <a:bodyPr lIns="0" tIns="0" rIns="0" bIns="0" rtlCol="0" anchor="t">
             <a:spAutoFit/>
           </a:bodyPr>
           <a:lstStyle/>
@@ -7426,12 +7434,12 @@
       </p:sp>
       <p:sp>
         <p:nvSpPr>
-          <p:cNvPr name="TextBox 9" id="9"/>
-          <p:cNvSpPr txBox="true"/>
-          <p:nvPr/>
-        </p:nvSpPr>
-        <p:spPr>
-          <a:xfrm rot="0">
+          <p:cNvPr id="9" name="TextBox 9"/>
+          <p:cNvSpPr txBox="1"/>
+          <p:nvPr/>
+        </p:nvSpPr>
+        <p:spPr>
+          <a:xfrm>
             <a:off x="2585909" y="5580898"/>
             <a:ext cx="9561592" cy="860528"/>
           </a:xfrm>
@@ -7440,7 +7448,7 @@
           </a:prstGeom>
         </p:spPr>
         <p:txBody>
-          <a:bodyPr anchor="t" rtlCol="false" tIns="0" lIns="0" bIns="0" rIns="0">
+          <a:bodyPr lIns="0" tIns="0" rIns="0" bIns="0" rtlCol="0" anchor="t">
             <a:spAutoFit/>
           </a:bodyPr>
           <a:lstStyle/>
@@ -7464,12 +7472,12 @@
       </p:sp>
       <p:sp>
         <p:nvSpPr>
-          <p:cNvPr name="TextBox 10" id="10"/>
-          <p:cNvSpPr txBox="true"/>
-          <p:nvPr/>
-        </p:nvSpPr>
-        <p:spPr>
-          <a:xfrm rot="0">
+          <p:cNvPr id="10" name="TextBox 10"/>
+          <p:cNvSpPr txBox="1"/>
+          <p:nvPr/>
+        </p:nvSpPr>
+        <p:spPr>
+          <a:xfrm>
             <a:off x="2585909" y="7095736"/>
             <a:ext cx="10323592" cy="860528"/>
           </a:xfrm>
@@ -7478,7 +7486,7 @@
           </a:prstGeom>
         </p:spPr>
         <p:txBody>
-          <a:bodyPr anchor="t" rtlCol="false" tIns="0" lIns="0" bIns="0" rIns="0">
+          <a:bodyPr lIns="0" tIns="0" rIns="0" bIns="0" rtlCol="0" anchor="t">
             <a:spAutoFit/>
           </a:bodyPr>
           <a:lstStyle/>
@@ -7502,21 +7510,21 @@
       </p:sp>
       <p:pic>
         <p:nvPicPr>
-          <p:cNvPr name="Picture 11" id="11"/>
+          <p:cNvPr id="11" name="Picture 11"/>
           <p:cNvPicPr>
-            <a:picLocks noChangeAspect="true"/>
+            <a:picLocks noChangeAspect="1"/>
           </p:cNvPicPr>
           <p:nvPr/>
         </p:nvPicPr>
         <p:blipFill>
           <a:blip r:embed="rId4"/>
-          <a:srcRect l="0" t="0" r="0" b="0"/>
+          <a:srcRect/>
           <a:stretch>
             <a:fillRect/>
           </a:stretch>
         </p:blipFill>
         <p:spPr>
-          <a:xfrm flipH="false" flipV="false" rot="0">
+          <a:xfrm>
             <a:off x="17155612" y="235737"/>
             <a:ext cx="767779" cy="1495846"/>
           </a:xfrm>
@@ -7527,21 +7535,21 @@
       </p:pic>
       <p:pic>
         <p:nvPicPr>
-          <p:cNvPr name="Picture 12" id="12"/>
+          <p:cNvPr id="12" name="Picture 12"/>
           <p:cNvPicPr>
-            <a:picLocks noChangeAspect="true"/>
+            <a:picLocks noChangeAspect="1"/>
           </p:cNvPicPr>
           <p:nvPr/>
         </p:nvPicPr>
         <p:blipFill>
           <a:blip r:embed="rId5"/>
-          <a:srcRect l="0" t="0" r="0" b="0"/>
+          <a:srcRect/>
           <a:stretch>
             <a:fillRect/>
           </a:stretch>
         </p:blipFill>
         <p:spPr>
-          <a:xfrm flipH="false" flipV="false" rot="0">
+          <a:xfrm>
             <a:off x="1585921" y="2633958"/>
             <a:ext cx="704576" cy="704576"/>
           </a:xfrm>
@@ -7552,21 +7560,21 @@
       </p:pic>
       <p:pic>
         <p:nvPicPr>
-          <p:cNvPr name="Picture 13" id="13"/>
+          <p:cNvPr id="13" name="Picture 13"/>
           <p:cNvPicPr>
-            <a:picLocks noChangeAspect="true"/>
+            <a:picLocks noChangeAspect="1"/>
           </p:cNvPicPr>
           <p:nvPr/>
         </p:nvPicPr>
         <p:blipFill>
           <a:blip r:embed="rId5"/>
-          <a:srcRect l="0" t="0" r="0" b="0"/>
+          <a:srcRect/>
           <a:stretch>
             <a:fillRect/>
           </a:stretch>
         </p:blipFill>
         <p:spPr>
-          <a:xfrm flipH="false" flipV="false" rot="0">
+          <a:xfrm>
             <a:off x="1585921" y="4148797"/>
             <a:ext cx="704576" cy="704576"/>
           </a:xfrm>
@@ -7577,21 +7585,21 @@
       </p:pic>
       <p:pic>
         <p:nvPicPr>
-          <p:cNvPr name="Picture 14" id="14"/>
+          <p:cNvPr id="14" name="Picture 14"/>
           <p:cNvPicPr>
-            <a:picLocks noChangeAspect="true"/>
+            <a:picLocks noChangeAspect="1"/>
           </p:cNvPicPr>
           <p:nvPr/>
         </p:nvPicPr>
         <p:blipFill>
           <a:blip r:embed="rId5"/>
-          <a:srcRect l="0" t="0" r="0" b="0"/>
+          <a:srcRect/>
           <a:stretch>
             <a:fillRect/>
           </a:stretch>
         </p:blipFill>
         <p:spPr>
-          <a:xfrm flipH="false" flipV="false" rot="0">
+          <a:xfrm>
             <a:off x="1585921" y="5716205"/>
             <a:ext cx="704576" cy="704576"/>
           </a:xfrm>
@@ -7602,21 +7610,21 @@
       </p:pic>
       <p:pic>
         <p:nvPicPr>
-          <p:cNvPr name="Picture 15" id="15"/>
+          <p:cNvPr id="15" name="Picture 15"/>
           <p:cNvPicPr>
-            <a:picLocks noChangeAspect="true"/>
+            <a:picLocks noChangeAspect="1"/>
           </p:cNvPicPr>
           <p:nvPr/>
         </p:nvPicPr>
         <p:blipFill>
           <a:blip r:embed="rId5"/>
-          <a:srcRect l="0" t="0" r="0" b="0"/>
+          <a:srcRect/>
           <a:stretch>
             <a:fillRect/>
           </a:stretch>
         </p:blipFill>
         <p:spPr>
-          <a:xfrm flipH="false" flipV="false" rot="0">
+          <a:xfrm>
             <a:off x="1585921" y="7231044"/>
             <a:ext cx="704576" cy="704576"/>
           </a:xfrm>
@@ -7634,13 +7642,14 @@
 </file>
 
 <file path=ppt/slides/slide6.xml><?xml version="1.0" encoding="utf-8"?>
-<p:sld xmlns:p="http://schemas.openxmlformats.org/presentationml/2006/main" xmlns:a="http://schemas.openxmlformats.org/drawingml/2006/main" xmlns:r="http://schemas.openxmlformats.org/officeDocument/2006/relationships">
+<p:sld xmlns:a="http://schemas.openxmlformats.org/drawingml/2006/main" xmlns:r="http://schemas.openxmlformats.org/officeDocument/2006/relationships" xmlns:p="http://schemas.openxmlformats.org/presentationml/2006/main">
   <p:cSld>
     <p:bg>
       <p:bgPr>
         <a:solidFill>
           <a:srgbClr val="3B5998"/>
         </a:solidFill>
+        <a:effectLst/>
       </p:bgPr>
     </p:bg>
     <p:spTree>
@@ -7659,21 +7668,21 @@
       </p:grpSpPr>
       <p:pic>
         <p:nvPicPr>
-          <p:cNvPr name="Picture 2" id="2"/>
+          <p:cNvPr id="2" name="Picture 2"/>
           <p:cNvPicPr>
-            <a:picLocks noChangeAspect="true"/>
+            <a:picLocks noChangeAspect="1"/>
           </p:cNvPicPr>
           <p:nvPr/>
         </p:nvPicPr>
         <p:blipFill>
           <a:blip r:embed="rId2"/>
-          <a:srcRect l="0" t="0" r="0" b="0"/>
+          <a:srcRect/>
           <a:stretch>
             <a:fillRect/>
           </a:stretch>
         </p:blipFill>
         <p:spPr>
-          <a:xfrm flipH="false" flipV="false" rot="0">
+          <a:xfrm>
             <a:off x="0" y="6825913"/>
             <a:ext cx="1938209" cy="3461087"/>
           </a:xfrm>
@@ -7684,21 +7693,21 @@
       </p:pic>
       <p:pic>
         <p:nvPicPr>
-          <p:cNvPr name="Picture 3" id="3"/>
+          <p:cNvPr id="3" name="Picture 3"/>
           <p:cNvPicPr>
-            <a:picLocks noChangeAspect="true"/>
+            <a:picLocks noChangeAspect="1"/>
           </p:cNvPicPr>
           <p:nvPr/>
         </p:nvPicPr>
         <p:blipFill>
           <a:blip r:embed="rId3"/>
-          <a:srcRect l="0" t="0" r="0" b="0"/>
+          <a:srcRect/>
           <a:stretch>
             <a:fillRect/>
           </a:stretch>
         </p:blipFill>
         <p:spPr>
-          <a:xfrm flipH="false" flipV="false" rot="-10800000">
+          <a:xfrm rot="-10800000">
             <a:off x="15857790" y="7407777"/>
             <a:ext cx="3095939" cy="2879223"/>
           </a:xfrm>
@@ -7709,9 +7718,9 @@
       </p:pic>
       <p:grpSp>
         <p:nvGrpSpPr>
-          <p:cNvPr name="Group 4" id="4"/>
+          <p:cNvPr id="4" name="Group 4"/>
           <p:cNvGrpSpPr>
-            <a:grpSpLocks noChangeAspect="true"/>
+            <a:grpSpLocks noChangeAspect="1"/>
           </p:cNvGrpSpPr>
           <p:nvPr/>
         </p:nvGrpSpPr>
@@ -7725,7 +7734,7 @@
         </p:grpSpPr>
         <p:sp>
           <p:nvSpPr>
-            <p:cNvPr name="Freeform 5" id="5"/>
+            <p:cNvPr id="5" name="Freeform 5"/>
             <p:cNvSpPr/>
             <p:nvPr/>
           </p:nvSpPr>
@@ -7739,9 +7748,9 @@
               <a:gdLst/>
               <a:ahLst/>
               <a:cxnLst/>
-              <a:rect r="r" b="b" t="t" l="l"/>
+              <a:rect l="l" t="t" r="r" b="b"/>
               <a:pathLst>
-                <a:path h="11514742" w="10990384">
+                <a:path w="10990384" h="11514742">
                   <a:moveTo>
                     <a:pt x="8792" y="5757371"/>
                   </a:moveTo>
@@ -7787,21 +7796,21 @@
       </p:grpSp>
       <p:pic>
         <p:nvPicPr>
-          <p:cNvPr name="Picture 6" id="6"/>
+          <p:cNvPr id="6" name="Picture 6"/>
           <p:cNvPicPr>
-            <a:picLocks noChangeAspect="true"/>
+            <a:picLocks noChangeAspect="1"/>
           </p:cNvPicPr>
           <p:nvPr/>
         </p:nvPicPr>
         <p:blipFill>
           <a:blip r:embed="rId4"/>
-          <a:srcRect l="0" t="0" r="0" b="0"/>
+          <a:srcRect/>
           <a:stretch>
             <a:fillRect/>
           </a:stretch>
         </p:blipFill>
         <p:spPr>
-          <a:xfrm flipH="false" flipV="false" rot="0">
+          <a:xfrm>
             <a:off x="17155612" y="235737"/>
             <a:ext cx="767779" cy="1495846"/>
           </a:xfrm>
@@ -7812,21 +7821,21 @@
       </p:pic>
       <p:pic>
         <p:nvPicPr>
-          <p:cNvPr name="Picture 7" id="7"/>
+          <p:cNvPr id="7" name="Picture 7"/>
           <p:cNvPicPr>
-            <a:picLocks noChangeAspect="true"/>
+            <a:picLocks noChangeAspect="1"/>
           </p:cNvPicPr>
           <p:nvPr/>
         </p:nvPicPr>
         <p:blipFill>
           <a:blip r:embed="rId5"/>
-          <a:srcRect l="0" t="0" r="0" b="0"/>
+          <a:srcRect/>
           <a:stretch>
             <a:fillRect/>
           </a:stretch>
         </p:blipFill>
         <p:spPr>
-          <a:xfrm flipH="false" flipV="false" rot="0">
+          <a:xfrm>
             <a:off x="1712921" y="1772173"/>
             <a:ext cx="704576" cy="704576"/>
           </a:xfrm>
@@ -7837,21 +7846,21 @@
       </p:pic>
       <p:pic>
         <p:nvPicPr>
-          <p:cNvPr name="Picture 8" id="8"/>
+          <p:cNvPr id="8" name="Picture 8"/>
           <p:cNvPicPr>
-            <a:picLocks noChangeAspect="true"/>
+            <a:picLocks noChangeAspect="1"/>
           </p:cNvPicPr>
           <p:nvPr/>
         </p:nvPicPr>
         <p:blipFill>
           <a:blip r:embed="rId6"/>
-          <a:srcRect l="0" t="0" r="4478" b="4497"/>
+          <a:srcRect r="4478" b="4497"/>
           <a:stretch>
             <a:fillRect/>
           </a:stretch>
         </p:blipFill>
         <p:spPr>
-          <a:xfrm flipH="false" flipV="false" rot="0">
+          <a:xfrm>
             <a:off x="2350731" y="2655612"/>
             <a:ext cx="13214140" cy="7215272"/>
           </a:xfrm>
@@ -7862,12 +7871,12 @@
       </p:pic>
       <p:sp>
         <p:nvSpPr>
-          <p:cNvPr name="TextBox 9" id="9"/>
-          <p:cNvSpPr txBox="true"/>
-          <p:nvPr/>
-        </p:nvSpPr>
-        <p:spPr>
-          <a:xfrm rot="0">
+          <p:cNvPr id="9" name="TextBox 9"/>
+          <p:cNvSpPr txBox="1"/>
+          <p:nvPr/>
+        </p:nvSpPr>
+        <p:spPr>
+          <a:xfrm>
             <a:off x="969104" y="420744"/>
             <a:ext cx="10477019" cy="1215912"/>
           </a:xfrm>
@@ -7876,7 +7885,7 @@
           </a:prstGeom>
         </p:spPr>
         <p:txBody>
-          <a:bodyPr anchor="t" rtlCol="false" tIns="0" lIns="0" bIns="0" rIns="0">
+          <a:bodyPr lIns="0" tIns="0" rIns="0" bIns="0" rtlCol="0" anchor="t">
             <a:spAutoFit/>
           </a:bodyPr>
           <a:lstStyle/>
@@ -7900,12 +7909,12 @@
       </p:sp>
       <p:sp>
         <p:nvSpPr>
-          <p:cNvPr name="TextBox 10" id="10"/>
-          <p:cNvSpPr txBox="true"/>
-          <p:nvPr/>
-        </p:nvSpPr>
-        <p:spPr>
-          <a:xfrm rot="0">
+          <p:cNvPr id="10" name="TextBox 10"/>
+          <p:cNvSpPr txBox="1"/>
+          <p:nvPr/>
+        </p:nvSpPr>
+        <p:spPr>
+          <a:xfrm>
             <a:off x="2712909" y="1689434"/>
             <a:ext cx="2208292" cy="860528"/>
           </a:xfrm>
@@ -7914,7 +7923,7 @@
           </a:prstGeom>
         </p:spPr>
         <p:txBody>
-          <a:bodyPr anchor="t" rtlCol="false" tIns="0" lIns="0" bIns="0" rIns="0">
+          <a:bodyPr lIns="0" tIns="0" rIns="0" bIns="0" rtlCol="0" anchor="t">
             <a:spAutoFit/>
           </a:bodyPr>
           <a:lstStyle/>
@@ -7945,13 +7954,14 @@
 </file>
 
 <file path=ppt/slides/slide7.xml><?xml version="1.0" encoding="utf-8"?>
-<p:sld xmlns:p="http://schemas.openxmlformats.org/presentationml/2006/main" xmlns:a="http://schemas.openxmlformats.org/drawingml/2006/main" xmlns:r="http://schemas.openxmlformats.org/officeDocument/2006/relationships">
+<p:sld xmlns:a="http://schemas.openxmlformats.org/drawingml/2006/main" xmlns:r="http://schemas.openxmlformats.org/officeDocument/2006/relationships" xmlns:p="http://schemas.openxmlformats.org/presentationml/2006/main">
   <p:cSld>
     <p:bg>
       <p:bgPr>
         <a:solidFill>
           <a:srgbClr val="3B5998"/>
         </a:solidFill>
+        <a:effectLst/>
       </p:bgPr>
     </p:bg>
     <p:spTree>
@@ -7970,21 +7980,21 @@
       </p:grpSpPr>
       <p:pic>
         <p:nvPicPr>
-          <p:cNvPr name="Picture 2" id="2"/>
+          <p:cNvPr id="2" name="Picture 2"/>
           <p:cNvPicPr>
-            <a:picLocks noChangeAspect="true"/>
+            <a:picLocks noChangeAspect="1"/>
           </p:cNvPicPr>
           <p:nvPr/>
         </p:nvPicPr>
         <p:blipFill>
           <a:blip r:embed="rId2"/>
-          <a:srcRect l="0" t="0" r="0" b="0"/>
+          <a:srcRect/>
           <a:stretch>
             <a:fillRect/>
           </a:stretch>
         </p:blipFill>
         <p:spPr>
-          <a:xfrm flipH="false" flipV="false" rot="0">
+          <a:xfrm>
             <a:off x="0" y="6825913"/>
             <a:ext cx="1938209" cy="3461087"/>
           </a:xfrm>
@@ -7995,21 +8005,21 @@
       </p:pic>
       <p:pic>
         <p:nvPicPr>
-          <p:cNvPr name="Picture 3" id="3"/>
+          <p:cNvPr id="3" name="Picture 3"/>
           <p:cNvPicPr>
-            <a:picLocks noChangeAspect="true"/>
+            <a:picLocks noChangeAspect="1"/>
           </p:cNvPicPr>
           <p:nvPr/>
         </p:nvPicPr>
         <p:blipFill>
           <a:blip r:embed="rId3"/>
-          <a:srcRect l="0" t="0" r="0" b="0"/>
+          <a:srcRect/>
           <a:stretch>
             <a:fillRect/>
           </a:stretch>
         </p:blipFill>
         <p:spPr>
-          <a:xfrm flipH="false" flipV="false" rot="-10800000">
+          <a:xfrm rot="-10800000">
             <a:off x="15857790" y="7407777"/>
             <a:ext cx="3095939" cy="2879223"/>
           </a:xfrm>
@@ -8020,9 +8030,9 @@
       </p:pic>
       <p:grpSp>
         <p:nvGrpSpPr>
-          <p:cNvPr name="Group 4" id="4"/>
+          <p:cNvPr id="4" name="Group 4"/>
           <p:cNvGrpSpPr>
-            <a:grpSpLocks noChangeAspect="true"/>
+            <a:grpSpLocks noChangeAspect="1"/>
           </p:cNvGrpSpPr>
           <p:nvPr/>
         </p:nvGrpSpPr>
@@ -8036,7 +8046,7 @@
         </p:grpSpPr>
         <p:sp>
           <p:nvSpPr>
-            <p:cNvPr name="Freeform 5" id="5"/>
+            <p:cNvPr id="5" name="Freeform 5"/>
             <p:cNvSpPr/>
             <p:nvPr/>
           </p:nvSpPr>
@@ -8050,9 +8060,9 @@
               <a:gdLst/>
               <a:ahLst/>
               <a:cxnLst/>
-              <a:rect r="r" b="b" t="t" l="l"/>
+              <a:rect l="l" t="t" r="r" b="b"/>
               <a:pathLst>
-                <a:path h="11514742" w="10990384">
+                <a:path w="10990384" h="11514742">
                   <a:moveTo>
                     <a:pt x="8792" y="5757371"/>
                   </a:moveTo>
@@ -8098,21 +8108,21 @@
       </p:grpSp>
       <p:pic>
         <p:nvPicPr>
-          <p:cNvPr name="Picture 6" id="6"/>
+          <p:cNvPr id="6" name="Picture 6"/>
           <p:cNvPicPr>
-            <a:picLocks noChangeAspect="true"/>
+            <a:picLocks noChangeAspect="1"/>
           </p:cNvPicPr>
           <p:nvPr/>
         </p:nvPicPr>
         <p:blipFill>
           <a:blip r:embed="rId4"/>
-          <a:srcRect l="0" t="0" r="0" b="0"/>
+          <a:srcRect/>
           <a:stretch>
             <a:fillRect/>
           </a:stretch>
         </p:blipFill>
         <p:spPr>
-          <a:xfrm flipH="false" flipV="false" rot="0">
+          <a:xfrm>
             <a:off x="17155612" y="235737"/>
             <a:ext cx="767779" cy="1495846"/>
           </a:xfrm>
@@ -8123,21 +8133,21 @@
       </p:pic>
       <p:pic>
         <p:nvPicPr>
-          <p:cNvPr name="Picture 7" id="7"/>
+          <p:cNvPr id="7" name="Picture 7"/>
           <p:cNvPicPr>
-            <a:picLocks noChangeAspect="true"/>
+            <a:picLocks noChangeAspect="1"/>
           </p:cNvPicPr>
           <p:nvPr/>
         </p:nvPicPr>
         <p:blipFill>
           <a:blip r:embed="rId5"/>
-          <a:srcRect l="0" t="0" r="0" b="0"/>
+          <a:srcRect/>
           <a:stretch>
             <a:fillRect/>
           </a:stretch>
         </p:blipFill>
         <p:spPr>
-          <a:xfrm flipH="false" flipV="false" rot="0">
+          <a:xfrm>
             <a:off x="1712921" y="1772173"/>
             <a:ext cx="704576" cy="704576"/>
           </a:xfrm>
@@ -8148,12 +8158,12 @@
       </p:pic>
       <p:grpSp>
         <p:nvGrpSpPr>
-          <p:cNvPr name="Group 8" id="8"/>
+          <p:cNvPr id="8" name="Group 8"/>
           <p:cNvGrpSpPr/>
           <p:nvPr/>
         </p:nvGrpSpPr>
         <p:grpSpPr>
-          <a:xfrm rot="0">
+          <a:xfrm>
             <a:off x="7241621" y="2303274"/>
             <a:ext cx="118631" cy="107253"/>
             <a:chOff x="0" y="0"/>
@@ -8162,7 +8172,7 @@
         </p:grpSpPr>
         <p:sp>
           <p:nvSpPr>
-            <p:cNvPr name="Freeform 9" id="9"/>
+            <p:cNvPr id="9" name="Freeform 9"/>
             <p:cNvSpPr/>
             <p:nvPr/>
           </p:nvSpPr>
@@ -8176,9 +8186,9 @@
               <a:gdLst/>
               <a:ahLst/>
               <a:cxnLst/>
-              <a:rect r="r" b="b" t="t" l="l"/>
+              <a:rect l="l" t="t" r="r" b="b"/>
               <a:pathLst>
-                <a:path h="76200" w="265983">
+                <a:path w="265983" h="76200">
                   <a:moveTo>
                     <a:pt x="0" y="0"/>
                   </a:moveTo>
@@ -8202,7 +8212,7 @@
         </p:sp>
         <p:sp>
           <p:nvSpPr>
-            <p:cNvPr name="Freeform 10" id="10"/>
+            <p:cNvPr id="10" name="Freeform 10"/>
             <p:cNvSpPr/>
             <p:nvPr/>
           </p:nvSpPr>
@@ -8216,9 +8226,9 @@
               <a:gdLst/>
               <a:ahLst/>
               <a:cxnLst/>
-              <a:rect r="r" b="b" t="t" l="l"/>
+              <a:rect l="l" t="t" r="r" b="b"/>
               <a:pathLst>
-                <a:path h="505460" w="374650">
+                <a:path w="374650" h="505460">
                   <a:moveTo>
                     <a:pt x="0" y="505460"/>
                   </a:moveTo>
@@ -8240,21 +8250,21 @@
       </p:grpSp>
       <p:pic>
         <p:nvPicPr>
-          <p:cNvPr name="Picture 11" id="11"/>
+          <p:cNvPr id="11" name="Picture 11"/>
           <p:cNvPicPr>
-            <a:picLocks noChangeAspect="true"/>
+            <a:picLocks noChangeAspect="1"/>
           </p:cNvPicPr>
           <p:nvPr/>
         </p:nvPicPr>
         <p:blipFill>
           <a:blip r:embed="rId6"/>
-          <a:srcRect l="0" t="0" r="3697" b="2589"/>
+          <a:srcRect r="3697" b="2589"/>
           <a:stretch>
             <a:fillRect/>
           </a:stretch>
         </p:blipFill>
         <p:spPr>
-          <a:xfrm flipH="false" flipV="false" rot="0">
+          <a:xfrm>
             <a:off x="4921201" y="1698959"/>
             <a:ext cx="11237338" cy="8473765"/>
           </a:xfrm>
@@ -8265,12 +8275,12 @@
       </p:pic>
       <p:sp>
         <p:nvSpPr>
-          <p:cNvPr name="TextBox 12" id="12"/>
-          <p:cNvSpPr txBox="true"/>
-          <p:nvPr/>
-        </p:nvSpPr>
-        <p:spPr>
-          <a:xfrm rot="0">
+          <p:cNvPr id="12" name="TextBox 12"/>
+          <p:cNvSpPr txBox="1"/>
+          <p:nvPr/>
+        </p:nvSpPr>
+        <p:spPr>
+          <a:xfrm>
             <a:off x="969104" y="420744"/>
             <a:ext cx="10477019" cy="1215912"/>
           </a:xfrm>
@@ -8279,7 +8289,7 @@
           </a:prstGeom>
         </p:spPr>
         <p:txBody>
-          <a:bodyPr anchor="t" rtlCol="false" tIns="0" lIns="0" bIns="0" rIns="0">
+          <a:bodyPr lIns="0" tIns="0" rIns="0" bIns="0" rtlCol="0" anchor="t">
             <a:spAutoFit/>
           </a:bodyPr>
           <a:lstStyle/>
@@ -8303,12 +8313,12 @@
       </p:sp>
       <p:sp>
         <p:nvSpPr>
-          <p:cNvPr name="TextBox 13" id="13"/>
-          <p:cNvSpPr txBox="true"/>
-          <p:nvPr/>
-        </p:nvSpPr>
-        <p:spPr>
-          <a:xfrm rot="0">
+          <p:cNvPr id="13" name="TextBox 13"/>
+          <p:cNvSpPr txBox="1"/>
+          <p:nvPr/>
+        </p:nvSpPr>
+        <p:spPr>
+          <a:xfrm>
             <a:off x="2712909" y="1689434"/>
             <a:ext cx="2208292" cy="860528"/>
           </a:xfrm>
@@ -8317,7 +8327,7 @@
           </a:prstGeom>
         </p:spPr>
         <p:txBody>
-          <a:bodyPr anchor="t" rtlCol="false" tIns="0" lIns="0" bIns="0" rIns="0">
+          <a:bodyPr lIns="0" tIns="0" rIns="0" bIns="0" rtlCol="0" anchor="t">
             <a:spAutoFit/>
           </a:bodyPr>
           <a:lstStyle/>
@@ -8348,13 +8358,14 @@
 </file>
 
 <file path=ppt/slides/slide8.xml><?xml version="1.0" encoding="utf-8"?>
-<p:sld xmlns:p="http://schemas.openxmlformats.org/presentationml/2006/main" xmlns:a="http://schemas.openxmlformats.org/drawingml/2006/main" xmlns:r="http://schemas.openxmlformats.org/officeDocument/2006/relationships">
+<p:sld xmlns:a="http://schemas.openxmlformats.org/drawingml/2006/main" xmlns:r="http://schemas.openxmlformats.org/officeDocument/2006/relationships" xmlns:p="http://schemas.openxmlformats.org/presentationml/2006/main">
   <p:cSld>
     <p:bg>
       <p:bgPr>
         <a:solidFill>
           <a:srgbClr val="3B5998"/>
         </a:solidFill>
+        <a:effectLst/>
       </p:bgPr>
     </p:bg>
     <p:spTree>
@@ -8373,21 +8384,21 @@
       </p:grpSpPr>
       <p:pic>
         <p:nvPicPr>
-          <p:cNvPr name="Picture 2" id="2"/>
+          <p:cNvPr id="2" name="Picture 2"/>
           <p:cNvPicPr>
-            <a:picLocks noChangeAspect="true"/>
+            <a:picLocks noChangeAspect="1"/>
           </p:cNvPicPr>
           <p:nvPr/>
         </p:nvPicPr>
         <p:blipFill>
           <a:blip r:embed="rId2"/>
-          <a:srcRect l="0" t="0" r="0" b="0"/>
+          <a:srcRect/>
           <a:stretch>
             <a:fillRect/>
           </a:stretch>
         </p:blipFill>
         <p:spPr>
-          <a:xfrm flipH="false" flipV="false" rot="0">
+          <a:xfrm>
             <a:off x="0" y="6825913"/>
             <a:ext cx="1938209" cy="3461087"/>
           </a:xfrm>
@@ -8398,21 +8409,21 @@
       </p:pic>
       <p:pic>
         <p:nvPicPr>
-          <p:cNvPr name="Picture 3" id="3"/>
+          <p:cNvPr id="3" name="Picture 3"/>
           <p:cNvPicPr>
-            <a:picLocks noChangeAspect="true"/>
+            <a:picLocks noChangeAspect="1"/>
           </p:cNvPicPr>
           <p:nvPr/>
         </p:nvPicPr>
         <p:blipFill>
           <a:blip r:embed="rId3"/>
-          <a:srcRect l="0" t="0" r="0" b="0"/>
+          <a:srcRect/>
           <a:stretch>
             <a:fillRect/>
           </a:stretch>
         </p:blipFill>
         <p:spPr>
-          <a:xfrm flipH="false" flipV="false" rot="-10800000">
+          <a:xfrm rot="-10800000">
             <a:off x="15857790" y="7291880"/>
             <a:ext cx="3095939" cy="2879223"/>
           </a:xfrm>
@@ -8423,9 +8434,9 @@
       </p:pic>
       <p:grpSp>
         <p:nvGrpSpPr>
-          <p:cNvPr name="Group 4" id="4"/>
+          <p:cNvPr id="4" name="Group 4"/>
           <p:cNvGrpSpPr>
-            <a:grpSpLocks noChangeAspect="true"/>
+            <a:grpSpLocks noChangeAspect="1"/>
           </p:cNvGrpSpPr>
           <p:nvPr/>
         </p:nvGrpSpPr>
@@ -8439,7 +8450,7 @@
         </p:grpSpPr>
         <p:sp>
           <p:nvSpPr>
-            <p:cNvPr name="Freeform 5" id="5"/>
+            <p:cNvPr id="5" name="Freeform 5"/>
             <p:cNvSpPr/>
             <p:nvPr/>
           </p:nvSpPr>
@@ -8453,9 +8464,9 @@
               <a:gdLst/>
               <a:ahLst/>
               <a:cxnLst/>
-              <a:rect r="r" b="b" t="t" l="l"/>
+              <a:rect l="l" t="t" r="r" b="b"/>
               <a:pathLst>
-                <a:path h="11514742" w="10990384">
+                <a:path w="10990384" h="11514742">
                   <a:moveTo>
                     <a:pt x="8792" y="5757371"/>
                   </a:moveTo>
@@ -8501,21 +8512,21 @@
       </p:grpSp>
       <p:pic>
         <p:nvPicPr>
-          <p:cNvPr name="Picture 6" id="6"/>
+          <p:cNvPr id="6" name="Picture 6"/>
           <p:cNvPicPr>
-            <a:picLocks noChangeAspect="true"/>
+            <a:picLocks noChangeAspect="1"/>
           </p:cNvPicPr>
           <p:nvPr/>
         </p:nvPicPr>
         <p:blipFill>
           <a:blip r:embed="rId4"/>
-          <a:srcRect l="0" t="0" r="0" b="0"/>
+          <a:srcRect/>
           <a:stretch>
             <a:fillRect/>
           </a:stretch>
         </p:blipFill>
         <p:spPr>
-          <a:xfrm flipH="false" flipV="false" rot="0">
+          <a:xfrm>
             <a:off x="1549635" y="1709869"/>
             <a:ext cx="704576" cy="704576"/>
           </a:xfrm>
@@ -8526,21 +8537,21 @@
       </p:pic>
       <p:pic>
         <p:nvPicPr>
-          <p:cNvPr name="Picture 7" id="7"/>
+          <p:cNvPr id="7" name="Picture 7"/>
           <p:cNvPicPr>
-            <a:picLocks noChangeAspect="true"/>
+            <a:picLocks noChangeAspect="1"/>
           </p:cNvPicPr>
           <p:nvPr/>
         </p:nvPicPr>
         <p:blipFill>
           <a:blip r:embed="rId5"/>
-          <a:srcRect l="0" t="0" r="0" b="0"/>
+          <a:srcRect/>
           <a:stretch>
             <a:fillRect/>
           </a:stretch>
         </p:blipFill>
         <p:spPr>
-          <a:xfrm flipH="false" flipV="false" rot="0">
+          <a:xfrm>
             <a:off x="309961" y="2738923"/>
             <a:ext cx="11470140" cy="6372300"/>
           </a:xfrm>
@@ -8551,21 +8562,21 @@
       </p:pic>
       <p:pic>
         <p:nvPicPr>
-          <p:cNvPr name="Picture 8" id="8"/>
+          <p:cNvPr id="8" name="Picture 8"/>
           <p:cNvPicPr>
-            <a:picLocks noChangeAspect="true"/>
+            <a:picLocks noChangeAspect="1"/>
           </p:cNvPicPr>
           <p:nvPr/>
         </p:nvPicPr>
         <p:blipFill>
           <a:blip r:embed="rId6"/>
-          <a:srcRect l="0" t="0" r="0" b="0"/>
+          <a:srcRect/>
           <a:stretch>
             <a:fillRect/>
           </a:stretch>
         </p:blipFill>
         <p:spPr>
-          <a:xfrm flipH="false" flipV="false" rot="0">
+          <a:xfrm>
             <a:off x="10155475" y="1297572"/>
             <a:ext cx="7767916" cy="8702264"/>
           </a:xfrm>
@@ -8576,21 +8587,21 @@
       </p:pic>
       <p:pic>
         <p:nvPicPr>
-          <p:cNvPr name="Picture 9" id="9"/>
+          <p:cNvPr id="9" name="Picture 9"/>
           <p:cNvPicPr>
-            <a:picLocks noChangeAspect="true"/>
+            <a:picLocks noChangeAspect="1"/>
           </p:cNvPicPr>
           <p:nvPr/>
         </p:nvPicPr>
         <p:blipFill>
           <a:blip r:embed="rId7"/>
-          <a:srcRect l="0" t="0" r="0" b="0"/>
+          <a:srcRect/>
           <a:stretch>
             <a:fillRect/>
           </a:stretch>
         </p:blipFill>
         <p:spPr>
-          <a:xfrm flipH="false" flipV="false" rot="0">
+          <a:xfrm>
             <a:off x="17155612" y="235737"/>
             <a:ext cx="767779" cy="1495846"/>
           </a:xfrm>
@@ -8601,12 +8612,12 @@
       </p:pic>
       <p:sp>
         <p:nvSpPr>
-          <p:cNvPr name="TextBox 10" id="10"/>
-          <p:cNvSpPr txBox="true"/>
-          <p:nvPr/>
-        </p:nvSpPr>
-        <p:spPr>
-          <a:xfrm rot="0">
+          <p:cNvPr id="10" name="TextBox 10"/>
+          <p:cNvSpPr txBox="1"/>
+          <p:nvPr/>
+        </p:nvSpPr>
+        <p:spPr>
+          <a:xfrm>
             <a:off x="969104" y="420744"/>
             <a:ext cx="10477019" cy="1215912"/>
           </a:xfrm>
@@ -8615,7 +8626,7 @@
           </a:prstGeom>
         </p:spPr>
         <p:txBody>
-          <a:bodyPr anchor="t" rtlCol="false" tIns="0" lIns="0" bIns="0" rIns="0">
+          <a:bodyPr lIns="0" tIns="0" rIns="0" bIns="0" rtlCol="0" anchor="t">
             <a:spAutoFit/>
           </a:bodyPr>
           <a:lstStyle/>
@@ -8639,12 +8650,12 @@
       </p:sp>
       <p:sp>
         <p:nvSpPr>
-          <p:cNvPr name="TextBox 11" id="11"/>
-          <p:cNvSpPr txBox="true"/>
-          <p:nvPr/>
-        </p:nvSpPr>
-        <p:spPr>
-          <a:xfrm rot="0">
+          <p:cNvPr id="11" name="TextBox 11"/>
+          <p:cNvSpPr txBox="1"/>
+          <p:nvPr/>
+        </p:nvSpPr>
+        <p:spPr>
+          <a:xfrm>
             <a:off x="2625823" y="1627131"/>
             <a:ext cx="5770642" cy="860528"/>
           </a:xfrm>
@@ -8653,7 +8664,7 @@
           </a:prstGeom>
         </p:spPr>
         <p:txBody>
-          <a:bodyPr anchor="t" rtlCol="false" tIns="0" lIns="0" bIns="0" rIns="0">
+          <a:bodyPr lIns="0" tIns="0" rIns="0" bIns="0" rtlCol="0" anchor="t">
             <a:spAutoFit/>
           </a:bodyPr>
           <a:lstStyle/>
@@ -8684,13 +8695,14 @@
 </file>
 
 <file path=ppt/slides/slide9.xml><?xml version="1.0" encoding="utf-8"?>
-<p:sld xmlns:p="http://schemas.openxmlformats.org/presentationml/2006/main" xmlns:a="http://schemas.openxmlformats.org/drawingml/2006/main" xmlns:r="http://schemas.openxmlformats.org/officeDocument/2006/relationships">
+<p:sld xmlns:a="http://schemas.openxmlformats.org/drawingml/2006/main" xmlns:r="http://schemas.openxmlformats.org/officeDocument/2006/relationships" xmlns:p="http://schemas.openxmlformats.org/presentationml/2006/main">
   <p:cSld>
     <p:bg>
       <p:bgPr>
         <a:solidFill>
           <a:srgbClr val="3B5998"/>
         </a:solidFill>
+        <a:effectLst/>
       </p:bgPr>
     </p:bg>
     <p:spTree>
@@ -8709,21 +8721,21 @@
       </p:grpSpPr>
       <p:pic>
         <p:nvPicPr>
-          <p:cNvPr name="Picture 2" id="2"/>
+          <p:cNvPr id="2" name="Picture 2"/>
           <p:cNvPicPr>
-            <a:picLocks noChangeAspect="true"/>
+            <a:picLocks noChangeAspect="1"/>
           </p:cNvPicPr>
           <p:nvPr/>
         </p:nvPicPr>
         <p:blipFill>
           <a:blip r:embed="rId2"/>
-          <a:srcRect l="0" t="0" r="0" b="0"/>
+          <a:srcRect/>
           <a:stretch>
             <a:fillRect/>
           </a:stretch>
         </p:blipFill>
         <p:spPr>
-          <a:xfrm flipH="false" flipV="false" rot="0">
+          <a:xfrm>
             <a:off x="0" y="6825913"/>
             <a:ext cx="1938209" cy="3461087"/>
           </a:xfrm>
@@ -8734,21 +8746,21 @@
       </p:pic>
       <p:pic>
         <p:nvPicPr>
-          <p:cNvPr name="Picture 3" id="3"/>
+          <p:cNvPr id="3" name="Picture 3"/>
           <p:cNvPicPr>
-            <a:picLocks noChangeAspect="true"/>
+            <a:picLocks noChangeAspect="1"/>
           </p:cNvPicPr>
           <p:nvPr/>
         </p:nvPicPr>
         <p:blipFill>
           <a:blip r:embed="rId3"/>
-          <a:srcRect l="0" t="0" r="0" b="0"/>
+          <a:srcRect/>
           <a:stretch>
             <a:fillRect/>
           </a:stretch>
         </p:blipFill>
         <p:spPr>
-          <a:xfrm flipH="false" flipV="false" rot="-10800000">
+          <a:xfrm rot="-10800000">
             <a:off x="15857790" y="7291880"/>
             <a:ext cx="3095939" cy="2879223"/>
           </a:xfrm>
@@ -8759,9 +8771,9 @@
       </p:pic>
       <p:grpSp>
         <p:nvGrpSpPr>
-          <p:cNvPr name="Group 4" id="4"/>
+          <p:cNvPr id="4" name="Group 4"/>
           <p:cNvGrpSpPr>
-            <a:grpSpLocks noChangeAspect="true"/>
+            <a:grpSpLocks noChangeAspect="1"/>
           </p:cNvGrpSpPr>
           <p:nvPr/>
         </p:nvGrpSpPr>
@@ -8775,7 +8787,7 @@
         </p:grpSpPr>
         <p:sp>
           <p:nvSpPr>
-            <p:cNvPr name="Freeform 5" id="5"/>
+            <p:cNvPr id="5" name="Freeform 5"/>
             <p:cNvSpPr/>
             <p:nvPr/>
           </p:nvSpPr>
@@ -8789,9 +8801,9 @@
               <a:gdLst/>
               <a:ahLst/>
               <a:cxnLst/>
-              <a:rect r="r" b="b" t="t" l="l"/>
+              <a:rect l="l" t="t" r="r" b="b"/>
               <a:pathLst>
-                <a:path h="11514742" w="10990384">
+                <a:path w="10990384" h="11514742">
                   <a:moveTo>
                     <a:pt x="8792" y="5757371"/>
                   </a:moveTo>
@@ -8837,21 +8849,21 @@
       </p:grpSp>
       <p:pic>
         <p:nvPicPr>
-          <p:cNvPr name="Picture 6" id="6"/>
+          <p:cNvPr id="6" name="Picture 6"/>
           <p:cNvPicPr>
-            <a:picLocks noChangeAspect="true"/>
+            <a:picLocks noChangeAspect="1"/>
           </p:cNvPicPr>
           <p:nvPr/>
         </p:nvPicPr>
         <p:blipFill>
           <a:blip r:embed="rId4"/>
-          <a:srcRect l="0" t="0" r="0" b="0"/>
+          <a:srcRect/>
           <a:stretch>
             <a:fillRect/>
           </a:stretch>
         </p:blipFill>
         <p:spPr>
-          <a:xfrm flipH="false" flipV="false" rot="0">
+          <a:xfrm>
             <a:off x="1549635" y="1709869"/>
             <a:ext cx="704576" cy="704576"/>
           </a:xfrm>
@@ -8862,21 +8874,21 @@
       </p:pic>
       <p:pic>
         <p:nvPicPr>
-          <p:cNvPr name="Picture 7" id="7"/>
+          <p:cNvPr id="7" name="Picture 7"/>
           <p:cNvPicPr>
-            <a:picLocks noChangeAspect="true"/>
+            <a:picLocks noChangeAspect="1"/>
           </p:cNvPicPr>
           <p:nvPr/>
         </p:nvPicPr>
         <p:blipFill>
           <a:blip r:embed="rId5"/>
-          <a:srcRect l="0" t="0" r="0" b="0"/>
+          <a:srcRect/>
           <a:stretch>
             <a:fillRect/>
           </a:stretch>
         </p:blipFill>
         <p:spPr>
-          <a:xfrm flipH="false" flipV="false" rot="0">
+          <a:xfrm>
             <a:off x="600685" y="2977186"/>
             <a:ext cx="10705891" cy="5947717"/>
           </a:xfrm>
@@ -8887,21 +8899,21 @@
       </p:pic>
       <p:pic>
         <p:nvPicPr>
-          <p:cNvPr name="Picture 8" id="8"/>
+          <p:cNvPr id="8" name="Picture 8"/>
           <p:cNvPicPr>
-            <a:picLocks noChangeAspect="true"/>
+            <a:picLocks noChangeAspect="1"/>
           </p:cNvPicPr>
           <p:nvPr/>
         </p:nvPicPr>
         <p:blipFill>
           <a:blip r:embed="rId6"/>
-          <a:srcRect l="0" t="0" r="0" b="0"/>
+          <a:srcRect/>
           <a:stretch>
             <a:fillRect/>
           </a:stretch>
         </p:blipFill>
         <p:spPr>
-          <a:xfrm flipH="false" flipV="false" rot="0">
+          <a:xfrm>
             <a:off x="10008467" y="1304148"/>
             <a:ext cx="7914924" cy="8866955"/>
           </a:xfrm>
@@ -8912,21 +8924,21 @@
       </p:pic>
       <p:pic>
         <p:nvPicPr>
-          <p:cNvPr name="Picture 9" id="9"/>
+          <p:cNvPr id="9" name="Picture 9"/>
           <p:cNvPicPr>
-            <a:picLocks noChangeAspect="true"/>
+            <a:picLocks noChangeAspect="1"/>
           </p:cNvPicPr>
           <p:nvPr/>
         </p:nvPicPr>
         <p:blipFill>
           <a:blip r:embed="rId7"/>
-          <a:srcRect l="0" t="0" r="0" b="0"/>
+          <a:srcRect/>
           <a:stretch>
             <a:fillRect/>
           </a:stretch>
         </p:blipFill>
         <p:spPr>
-          <a:xfrm flipH="false" flipV="false" rot="0">
+          <a:xfrm>
             <a:off x="17155612" y="235737"/>
             <a:ext cx="767779" cy="1495846"/>
           </a:xfrm>
@@ -8937,12 +8949,12 @@
       </p:pic>
       <p:sp>
         <p:nvSpPr>
-          <p:cNvPr name="TextBox 10" id="10"/>
-          <p:cNvSpPr txBox="true"/>
-          <p:nvPr/>
-        </p:nvSpPr>
-        <p:spPr>
-          <a:xfrm rot="0">
+          <p:cNvPr id="10" name="TextBox 10"/>
+          <p:cNvSpPr txBox="1"/>
+          <p:nvPr/>
+        </p:nvSpPr>
+        <p:spPr>
+          <a:xfrm>
             <a:off x="969104" y="420744"/>
             <a:ext cx="10477019" cy="1215912"/>
           </a:xfrm>
@@ -8951,7 +8963,7 @@
           </a:prstGeom>
         </p:spPr>
         <p:txBody>
-          <a:bodyPr anchor="t" rtlCol="false" tIns="0" lIns="0" bIns="0" rIns="0">
+          <a:bodyPr lIns="0" tIns="0" rIns="0" bIns="0" rtlCol="0" anchor="t">
             <a:spAutoFit/>
           </a:bodyPr>
           <a:lstStyle/>
@@ -8975,12 +8987,12 @@
       </p:sp>
       <p:sp>
         <p:nvSpPr>
-          <p:cNvPr name="TextBox 11" id="11"/>
-          <p:cNvSpPr txBox="true"/>
-          <p:nvPr/>
-        </p:nvSpPr>
-        <p:spPr>
-          <a:xfrm rot="0">
+          <p:cNvPr id="11" name="TextBox 11"/>
+          <p:cNvSpPr txBox="1"/>
+          <p:nvPr/>
+        </p:nvSpPr>
+        <p:spPr>
+          <a:xfrm>
             <a:off x="2625823" y="1627131"/>
             <a:ext cx="5770642" cy="860528"/>
           </a:xfrm>
@@ -8989,7 +9001,7 @@
           </a:prstGeom>
         </p:spPr>
         <p:txBody>
-          <a:bodyPr anchor="t" rtlCol="false" tIns="0" lIns="0" bIns="0" rIns="0">
+          <a:bodyPr lIns="0" tIns="0" rIns="0" bIns="0" rtlCol="0" anchor="t">
             <a:spAutoFit/>
           </a:bodyPr>
           <a:lstStyle/>
